--- a/docs/src/assets/architecture.pptx
+++ b/docs/src/assets/architecture.pptx
@@ -9,6 +9,8 @@
     <p:sldId id="257" r:id="rId3"/>
     <p:sldId id="259" r:id="rId4"/>
     <p:sldId id="260" r:id="rId5"/>
+    <p:sldId id="261" r:id="rId6"/>
+    <p:sldId id="262" r:id="rId7"/>
   </p:sldIdLst>
   <p:sldSz cx="12192000" cy="6858000"/>
   <p:notesSz cx="6858000" cy="9144000"/>
@@ -1257,7 +1259,7 @@
           <a:p>
             <a:fld id="{344B3351-8381-4697-BFF2-91AB0D217638}" type="datetimeFigureOut">
               <a:rPr lang="en-CA" smtClean="0"/>
-              <a:t>2023-12-31</a:t>
+              <a:t>2024-06-07</a:t>
             </a:fld>
             <a:endParaRPr lang="en-CA"/>
           </a:p>
@@ -1457,7 +1459,7 @@
           <a:p>
             <a:fld id="{344B3351-8381-4697-BFF2-91AB0D217638}" type="datetimeFigureOut">
               <a:rPr lang="en-CA" smtClean="0"/>
-              <a:t>2023-12-31</a:t>
+              <a:t>2024-06-07</a:t>
             </a:fld>
             <a:endParaRPr lang="en-CA"/>
           </a:p>
@@ -1667,7 +1669,7 @@
           <a:p>
             <a:fld id="{344B3351-8381-4697-BFF2-91AB0D217638}" type="datetimeFigureOut">
               <a:rPr lang="en-CA" smtClean="0"/>
-              <a:t>2023-12-31</a:t>
+              <a:t>2024-06-07</a:t>
             </a:fld>
             <a:endParaRPr lang="en-CA"/>
           </a:p>
@@ -1867,7 +1869,7 @@
           <a:p>
             <a:fld id="{344B3351-8381-4697-BFF2-91AB0D217638}" type="datetimeFigureOut">
               <a:rPr lang="en-CA" smtClean="0"/>
-              <a:t>2023-12-31</a:t>
+              <a:t>2024-06-07</a:t>
             </a:fld>
             <a:endParaRPr lang="en-CA"/>
           </a:p>
@@ -2143,7 +2145,7 @@
           <a:p>
             <a:fld id="{344B3351-8381-4697-BFF2-91AB0D217638}" type="datetimeFigureOut">
               <a:rPr lang="en-CA" smtClean="0"/>
-              <a:t>2023-12-31</a:t>
+              <a:t>2024-06-07</a:t>
             </a:fld>
             <a:endParaRPr lang="en-CA"/>
           </a:p>
@@ -2411,7 +2413,7 @@
           <a:p>
             <a:fld id="{344B3351-8381-4697-BFF2-91AB0D217638}" type="datetimeFigureOut">
               <a:rPr lang="en-CA" smtClean="0"/>
-              <a:t>2023-12-31</a:t>
+              <a:t>2024-06-07</a:t>
             </a:fld>
             <a:endParaRPr lang="en-CA"/>
           </a:p>
@@ -2826,7 +2828,7 @@
           <a:p>
             <a:fld id="{344B3351-8381-4697-BFF2-91AB0D217638}" type="datetimeFigureOut">
               <a:rPr lang="en-CA" smtClean="0"/>
-              <a:t>2023-12-31</a:t>
+              <a:t>2024-06-07</a:t>
             </a:fld>
             <a:endParaRPr lang="en-CA"/>
           </a:p>
@@ -2968,7 +2970,7 @@
           <a:p>
             <a:fld id="{344B3351-8381-4697-BFF2-91AB0D217638}" type="datetimeFigureOut">
               <a:rPr lang="en-CA" smtClean="0"/>
-              <a:t>2023-12-31</a:t>
+              <a:t>2024-06-07</a:t>
             </a:fld>
             <a:endParaRPr lang="en-CA"/>
           </a:p>
@@ -3081,7 +3083,7 @@
           <a:p>
             <a:fld id="{344B3351-8381-4697-BFF2-91AB0D217638}" type="datetimeFigureOut">
               <a:rPr lang="en-CA" smtClean="0"/>
-              <a:t>2023-12-31</a:t>
+              <a:t>2024-06-07</a:t>
             </a:fld>
             <a:endParaRPr lang="en-CA"/>
           </a:p>
@@ -3394,7 +3396,7 @@
           <a:p>
             <a:fld id="{344B3351-8381-4697-BFF2-91AB0D217638}" type="datetimeFigureOut">
               <a:rPr lang="en-CA" smtClean="0"/>
-              <a:t>2023-12-31</a:t>
+              <a:t>2024-06-07</a:t>
             </a:fld>
             <a:endParaRPr lang="en-CA"/>
           </a:p>
@@ -3683,7 +3685,7 @@
           <a:p>
             <a:fld id="{344B3351-8381-4697-BFF2-91AB0D217638}" type="datetimeFigureOut">
               <a:rPr lang="en-CA" smtClean="0"/>
-              <a:t>2023-12-31</a:t>
+              <a:t>2024-06-07</a:t>
             </a:fld>
             <a:endParaRPr lang="en-CA"/>
           </a:p>
@@ -3926,7 +3928,7 @@
           <a:p>
             <a:fld id="{344B3351-8381-4697-BFF2-91AB0D217638}" type="datetimeFigureOut">
               <a:rPr lang="en-CA" smtClean="0"/>
-              <a:t>2023-12-31</a:t>
+              <a:t>2024-06-07</a:t>
             </a:fld>
             <a:endParaRPr lang="en-CA"/>
           </a:p>
@@ -9146,6 +9148,3613 @@
 </p:sld>
 </file>
 
+<file path=ppt/slides/slide5.xml><?xml version="1.0" encoding="utf-8"?>
+<p:sld xmlns:a="http://schemas.openxmlformats.org/drawingml/2006/main" xmlns:r="http://schemas.openxmlformats.org/officeDocument/2006/relationships" xmlns:p="http://schemas.openxmlformats.org/presentationml/2006/main">
+  <p:cSld>
+    <p:spTree>
+      <p:nvGrpSpPr>
+        <p:cNvPr id="1" name=""/>
+        <p:cNvGrpSpPr/>
+        <p:nvPr/>
+      </p:nvGrpSpPr>
+      <p:grpSpPr>
+        <a:xfrm>
+          <a:off x="0" y="0"/>
+          <a:ext cx="0" cy="0"/>
+          <a:chOff x="0" y="0"/>
+          <a:chExt cx="0" cy="0"/>
+        </a:xfrm>
+      </p:grpSpPr>
+      <p:sp>
+        <p:nvSpPr>
+          <p:cNvPr id="37" name="Rectangle 36">
+            <a:extLst>
+              <a:ext uri="{FF2B5EF4-FFF2-40B4-BE49-F238E27FC236}">
+                <a16:creationId xmlns:a16="http://schemas.microsoft.com/office/drawing/2014/main" id="{5A467526-E0F9-196A-CB93-1DEE30E874D2}"/>
+              </a:ext>
+            </a:extLst>
+          </p:cNvPr>
+          <p:cNvSpPr/>
+          <p:nvPr/>
+        </p:nvSpPr>
+        <p:spPr>
+          <a:xfrm>
+            <a:off x="4951917" y="2343295"/>
+            <a:ext cx="569167" cy="569167"/>
+          </a:xfrm>
+          <a:prstGeom prst="rect">
+            <a:avLst/>
+          </a:prstGeom>
+          <a:solidFill>
+            <a:srgbClr val="DFF3FC"/>
+          </a:solidFill>
+          <a:ln>
+            <a:solidFill>
+              <a:schemeClr val="tx1"/>
+            </a:solidFill>
+          </a:ln>
+        </p:spPr>
+        <p:style>
+          <a:lnRef idx="2">
+            <a:schemeClr val="accent1">
+              <a:shade val="15000"/>
+            </a:schemeClr>
+          </a:lnRef>
+          <a:fillRef idx="1">
+            <a:schemeClr val="accent1"/>
+          </a:fillRef>
+          <a:effectRef idx="0">
+            <a:schemeClr val="accent1"/>
+          </a:effectRef>
+          <a:fontRef idx="minor">
+            <a:schemeClr val="lt1"/>
+          </a:fontRef>
+        </p:style>
+        <p:txBody>
+          <a:bodyPr rtlCol="0" anchor="ctr"/>
+          <a:lstStyle/>
+          <a:p>
+            <a:pPr algn="ctr"/>
+            <a:r>
+              <a:rPr lang="fr-CA" sz="1000" dirty="0">
+                <a:solidFill>
+                  <a:schemeClr val="tx1"/>
+                </a:solidFill>
+              </a:rPr>
+              <a:t>Feat 1</a:t>
+            </a:r>
+            <a:endParaRPr lang="en-CA" sz="1000" dirty="0">
+              <a:solidFill>
+                <a:schemeClr val="tx1"/>
+              </a:solidFill>
+            </a:endParaRPr>
+          </a:p>
+        </p:txBody>
+      </p:sp>
+      <p:sp>
+        <p:nvSpPr>
+          <p:cNvPr id="38" name="Rectangle 37">
+            <a:extLst>
+              <a:ext uri="{FF2B5EF4-FFF2-40B4-BE49-F238E27FC236}">
+                <a16:creationId xmlns:a16="http://schemas.microsoft.com/office/drawing/2014/main" id="{4040DF92-3CA9-0424-717B-C102C98791AF}"/>
+              </a:ext>
+            </a:extLst>
+          </p:cNvPr>
+          <p:cNvSpPr/>
+          <p:nvPr/>
+        </p:nvSpPr>
+        <p:spPr>
+          <a:xfrm>
+            <a:off x="4951916" y="2911602"/>
+            <a:ext cx="569167" cy="569167"/>
+          </a:xfrm>
+          <a:prstGeom prst="rect">
+            <a:avLst/>
+          </a:prstGeom>
+          <a:solidFill>
+            <a:srgbClr val="DFF3FC"/>
+          </a:solidFill>
+          <a:ln>
+            <a:solidFill>
+              <a:schemeClr val="tx1"/>
+            </a:solidFill>
+          </a:ln>
+        </p:spPr>
+        <p:style>
+          <a:lnRef idx="2">
+            <a:schemeClr val="accent1">
+              <a:shade val="15000"/>
+            </a:schemeClr>
+          </a:lnRef>
+          <a:fillRef idx="1">
+            <a:schemeClr val="accent1"/>
+          </a:fillRef>
+          <a:effectRef idx="0">
+            <a:schemeClr val="accent1"/>
+          </a:effectRef>
+          <a:fontRef idx="minor">
+            <a:schemeClr val="lt1"/>
+          </a:fontRef>
+        </p:style>
+        <p:txBody>
+          <a:bodyPr rtlCol="0" anchor="ctr"/>
+          <a:lstStyle/>
+          <a:p>
+            <a:pPr algn="ctr"/>
+            <a:r>
+              <a:rPr lang="fr-CA" sz="1000" dirty="0">
+                <a:solidFill>
+                  <a:schemeClr val="tx1"/>
+                </a:solidFill>
+              </a:rPr>
+              <a:t>Feat 2</a:t>
+            </a:r>
+            <a:endParaRPr lang="en-CA" sz="1000" dirty="0">
+              <a:solidFill>
+                <a:schemeClr val="tx1"/>
+              </a:solidFill>
+            </a:endParaRPr>
+          </a:p>
+        </p:txBody>
+      </p:sp>
+      <p:sp>
+        <p:nvSpPr>
+          <p:cNvPr id="4" name="Rectangle 3">
+            <a:extLst>
+              <a:ext uri="{FF2B5EF4-FFF2-40B4-BE49-F238E27FC236}">
+                <a16:creationId xmlns:a16="http://schemas.microsoft.com/office/drawing/2014/main" id="{D6C1CA49-0E8B-1CE6-C00C-00820861C342}"/>
+              </a:ext>
+            </a:extLst>
+          </p:cNvPr>
+          <p:cNvSpPr/>
+          <p:nvPr/>
+        </p:nvSpPr>
+        <p:spPr>
+          <a:xfrm>
+            <a:off x="3294099" y="2627879"/>
+            <a:ext cx="569167" cy="569167"/>
+          </a:xfrm>
+          <a:prstGeom prst="rect">
+            <a:avLst/>
+          </a:prstGeom>
+          <a:solidFill>
+            <a:srgbClr val="023572"/>
+          </a:solidFill>
+          <a:ln>
+            <a:solidFill>
+              <a:schemeClr val="bg1"/>
+            </a:solidFill>
+          </a:ln>
+        </p:spPr>
+        <p:style>
+          <a:lnRef idx="2">
+            <a:schemeClr val="accent1">
+              <a:shade val="15000"/>
+            </a:schemeClr>
+          </a:lnRef>
+          <a:fillRef idx="1">
+            <a:schemeClr val="accent1"/>
+          </a:fillRef>
+          <a:effectRef idx="0">
+            <a:schemeClr val="accent1"/>
+          </a:effectRef>
+          <a:fontRef idx="minor">
+            <a:schemeClr val="lt1"/>
+          </a:fontRef>
+        </p:style>
+        <p:txBody>
+          <a:bodyPr rtlCol="0" anchor="ctr"/>
+          <a:lstStyle/>
+          <a:p>
+            <a:pPr algn="ctr"/>
+            <a:r>
+              <a:rPr lang="fr-CA" sz="1000" dirty="0">
+                <a:solidFill>
+                  <a:schemeClr val="bg1"/>
+                </a:solidFill>
+              </a:rPr>
+              <a:t>W1</a:t>
+            </a:r>
+            <a:endParaRPr lang="en-CA" sz="1000" dirty="0">
+              <a:solidFill>
+                <a:schemeClr val="bg1"/>
+              </a:solidFill>
+            </a:endParaRPr>
+          </a:p>
+        </p:txBody>
+      </p:sp>
+      <p:sp>
+        <p:nvSpPr>
+          <p:cNvPr id="5" name="Rectangle 4">
+            <a:extLst>
+              <a:ext uri="{FF2B5EF4-FFF2-40B4-BE49-F238E27FC236}">
+                <a16:creationId xmlns:a16="http://schemas.microsoft.com/office/drawing/2014/main" id="{E70BFE99-0119-505F-E21A-B42F92BB087D}"/>
+              </a:ext>
+            </a:extLst>
+          </p:cNvPr>
+          <p:cNvSpPr/>
+          <p:nvPr/>
+        </p:nvSpPr>
+        <p:spPr>
+          <a:xfrm>
+            <a:off x="3863266" y="2627879"/>
+            <a:ext cx="569167" cy="569167"/>
+          </a:xfrm>
+          <a:prstGeom prst="rect">
+            <a:avLst/>
+          </a:prstGeom>
+          <a:solidFill>
+            <a:srgbClr val="023572"/>
+          </a:solidFill>
+          <a:ln>
+            <a:solidFill>
+              <a:schemeClr val="bg1"/>
+            </a:solidFill>
+          </a:ln>
+        </p:spPr>
+        <p:style>
+          <a:lnRef idx="2">
+            <a:schemeClr val="accent1">
+              <a:shade val="15000"/>
+            </a:schemeClr>
+          </a:lnRef>
+          <a:fillRef idx="1">
+            <a:schemeClr val="accent1"/>
+          </a:fillRef>
+          <a:effectRef idx="0">
+            <a:schemeClr val="accent1"/>
+          </a:effectRef>
+          <a:fontRef idx="minor">
+            <a:schemeClr val="lt1"/>
+          </a:fontRef>
+        </p:style>
+        <p:txBody>
+          <a:bodyPr rtlCol="0" anchor="ctr"/>
+          <a:lstStyle/>
+          <a:p>
+            <a:pPr algn="ctr"/>
+            <a:r>
+              <a:rPr lang="fr-CA" sz="1000" dirty="0">
+                <a:solidFill>
+                  <a:schemeClr val="bg1"/>
+                </a:solidFill>
+              </a:rPr>
+              <a:t>W2</a:t>
+            </a:r>
+            <a:endParaRPr lang="en-CA" sz="1000" dirty="0">
+              <a:solidFill>
+                <a:schemeClr val="bg1"/>
+              </a:solidFill>
+            </a:endParaRPr>
+          </a:p>
+        </p:txBody>
+      </p:sp>
+      <p:sp>
+        <p:nvSpPr>
+          <p:cNvPr id="7" name="TextBox 6">
+            <a:extLst>
+              <a:ext uri="{FF2B5EF4-FFF2-40B4-BE49-F238E27FC236}">
+                <a16:creationId xmlns:a16="http://schemas.microsoft.com/office/drawing/2014/main" id="{005C79CC-2998-52E8-D5F6-74E4D23C7893}"/>
+              </a:ext>
+            </a:extLst>
+          </p:cNvPr>
+          <p:cNvSpPr txBox="1"/>
+          <p:nvPr/>
+        </p:nvSpPr>
+        <p:spPr>
+          <a:xfrm>
+            <a:off x="4550913" y="2757713"/>
+            <a:ext cx="282524" cy="307777"/>
+          </a:xfrm>
+          <a:prstGeom prst="rect">
+            <a:avLst/>
+          </a:prstGeom>
+          <a:noFill/>
+        </p:spPr>
+        <p:txBody>
+          <a:bodyPr wrap="square" rtlCol="0">
+            <a:spAutoFit/>
+          </a:bodyPr>
+          <a:lstStyle/>
+          <a:p>
+            <a:r>
+              <a:rPr lang="fr-CA" sz="1400" dirty="0"/>
+              <a:t>x</a:t>
+            </a:r>
+            <a:endParaRPr lang="en-CA" sz="1400" dirty="0"/>
+          </a:p>
+        </p:txBody>
+      </p:sp>
+      <p:sp>
+        <p:nvSpPr>
+          <p:cNvPr id="8" name="TextBox 7">
+            <a:extLst>
+              <a:ext uri="{FF2B5EF4-FFF2-40B4-BE49-F238E27FC236}">
+                <a16:creationId xmlns:a16="http://schemas.microsoft.com/office/drawing/2014/main" id="{DECF9993-24BC-01EF-4CAD-E595160BAFD8}"/>
+              </a:ext>
+            </a:extLst>
+          </p:cNvPr>
+          <p:cNvSpPr txBox="1"/>
+          <p:nvPr/>
+        </p:nvSpPr>
+        <p:spPr>
+          <a:xfrm>
+            <a:off x="5639180" y="2757713"/>
+            <a:ext cx="282524" cy="307777"/>
+          </a:xfrm>
+          <a:prstGeom prst="rect">
+            <a:avLst/>
+          </a:prstGeom>
+          <a:noFill/>
+        </p:spPr>
+        <p:txBody>
+          <a:bodyPr wrap="square" rtlCol="0">
+            <a:spAutoFit/>
+          </a:bodyPr>
+          <a:lstStyle/>
+          <a:p>
+            <a:r>
+              <a:rPr lang="fr-CA" sz="1400" dirty="0"/>
+              <a:t>+</a:t>
+            </a:r>
+            <a:endParaRPr lang="en-CA" sz="1400" dirty="0"/>
+          </a:p>
+        </p:txBody>
+      </p:sp>
+      <p:sp>
+        <p:nvSpPr>
+          <p:cNvPr id="9" name="Rectangle 8">
+            <a:extLst>
+              <a:ext uri="{FF2B5EF4-FFF2-40B4-BE49-F238E27FC236}">
+                <a16:creationId xmlns:a16="http://schemas.microsoft.com/office/drawing/2014/main" id="{9395742A-8C5A-92F1-F866-02920F59B8FD}"/>
+              </a:ext>
+            </a:extLst>
+          </p:cNvPr>
+          <p:cNvSpPr/>
+          <p:nvPr/>
+        </p:nvSpPr>
+        <p:spPr>
+          <a:xfrm>
+            <a:off x="5985714" y="2627878"/>
+            <a:ext cx="569167" cy="569167"/>
+          </a:xfrm>
+          <a:prstGeom prst="rect">
+            <a:avLst/>
+          </a:prstGeom>
+          <a:solidFill>
+            <a:srgbClr val="023572"/>
+          </a:solidFill>
+          <a:ln>
+            <a:solidFill>
+              <a:schemeClr val="bg1"/>
+            </a:solidFill>
+          </a:ln>
+        </p:spPr>
+        <p:style>
+          <a:lnRef idx="2">
+            <a:schemeClr val="accent1">
+              <a:shade val="15000"/>
+            </a:schemeClr>
+          </a:lnRef>
+          <a:fillRef idx="1">
+            <a:schemeClr val="accent1"/>
+          </a:fillRef>
+          <a:effectRef idx="0">
+            <a:schemeClr val="accent1"/>
+          </a:effectRef>
+          <a:fontRef idx="minor">
+            <a:schemeClr val="lt1"/>
+          </a:fontRef>
+        </p:style>
+        <p:txBody>
+          <a:bodyPr rtlCol="0" anchor="ctr"/>
+          <a:lstStyle/>
+          <a:p>
+            <a:pPr algn="ctr"/>
+            <a:r>
+              <a:rPr lang="fr-CA" sz="1000" dirty="0" err="1">
+                <a:solidFill>
+                  <a:schemeClr val="bg1"/>
+                </a:solidFill>
+              </a:rPr>
+              <a:t>bias</a:t>
+            </a:r>
+            <a:endParaRPr lang="en-CA" sz="1000" dirty="0">
+              <a:solidFill>
+                <a:schemeClr val="bg1"/>
+              </a:solidFill>
+            </a:endParaRPr>
+          </a:p>
+        </p:txBody>
+      </p:sp>
+      <p:sp>
+        <p:nvSpPr>
+          <p:cNvPr id="21" name="TextBox 20">
+            <a:extLst>
+              <a:ext uri="{FF2B5EF4-FFF2-40B4-BE49-F238E27FC236}">
+                <a16:creationId xmlns:a16="http://schemas.microsoft.com/office/drawing/2014/main" id="{22430DE4-2F3D-155B-6AEB-6307964E14F8}"/>
+              </a:ext>
+            </a:extLst>
+          </p:cNvPr>
+          <p:cNvSpPr txBox="1"/>
+          <p:nvPr/>
+        </p:nvSpPr>
+        <p:spPr>
+          <a:xfrm>
+            <a:off x="6908442" y="2757711"/>
+            <a:ext cx="282524" cy="307777"/>
+          </a:xfrm>
+          <a:prstGeom prst="rect">
+            <a:avLst/>
+          </a:prstGeom>
+          <a:noFill/>
+        </p:spPr>
+        <p:txBody>
+          <a:bodyPr wrap="square" rtlCol="0">
+            <a:spAutoFit/>
+          </a:bodyPr>
+          <a:lstStyle/>
+          <a:p>
+            <a:r>
+              <a:rPr lang="fr-CA" sz="1400" dirty="0"/>
+              <a:t>=</a:t>
+            </a:r>
+            <a:endParaRPr lang="en-CA" sz="1400" dirty="0"/>
+          </a:p>
+        </p:txBody>
+      </p:sp>
+      <p:sp>
+        <p:nvSpPr>
+          <p:cNvPr id="22" name="Rectangle 21">
+            <a:extLst>
+              <a:ext uri="{FF2B5EF4-FFF2-40B4-BE49-F238E27FC236}">
+                <a16:creationId xmlns:a16="http://schemas.microsoft.com/office/drawing/2014/main" id="{E7DD6244-715B-5C8B-3A83-4857F95856C0}"/>
+              </a:ext>
+            </a:extLst>
+          </p:cNvPr>
+          <p:cNvSpPr/>
+          <p:nvPr/>
+        </p:nvSpPr>
+        <p:spPr>
+          <a:xfrm>
+            <a:off x="7254976" y="2627878"/>
+            <a:ext cx="569167" cy="569167"/>
+          </a:xfrm>
+          <a:prstGeom prst="rect">
+            <a:avLst/>
+          </a:prstGeom>
+          <a:solidFill>
+            <a:schemeClr val="bg2"/>
+          </a:solidFill>
+          <a:ln>
+            <a:solidFill>
+              <a:schemeClr val="tx1"/>
+            </a:solidFill>
+          </a:ln>
+        </p:spPr>
+        <p:style>
+          <a:lnRef idx="2">
+            <a:schemeClr val="accent1">
+              <a:shade val="15000"/>
+            </a:schemeClr>
+          </a:lnRef>
+          <a:fillRef idx="1">
+            <a:schemeClr val="accent1"/>
+          </a:fillRef>
+          <a:effectRef idx="0">
+            <a:schemeClr val="accent1"/>
+          </a:effectRef>
+          <a:fontRef idx="minor">
+            <a:schemeClr val="lt1"/>
+          </a:fontRef>
+        </p:style>
+        <p:txBody>
+          <a:bodyPr rtlCol="0" anchor="ctr"/>
+          <a:lstStyle/>
+          <a:p>
+            <a:pPr algn="ctr"/>
+            <a:r>
+              <a:rPr lang="fr-CA" sz="1000" dirty="0">
+                <a:solidFill>
+                  <a:schemeClr val="tx1"/>
+                </a:solidFill>
+              </a:rPr>
+              <a:t>NW</a:t>
+            </a:r>
+            <a:endParaRPr lang="en-CA" sz="1000" dirty="0">
+              <a:solidFill>
+                <a:schemeClr val="tx1"/>
+              </a:solidFill>
+            </a:endParaRPr>
+          </a:p>
+        </p:txBody>
+      </p:sp>
+      <p:sp>
+        <p:nvSpPr>
+          <p:cNvPr id="25" name="Right Brace 24">
+            <a:extLst>
+              <a:ext uri="{FF2B5EF4-FFF2-40B4-BE49-F238E27FC236}">
+                <a16:creationId xmlns:a16="http://schemas.microsoft.com/office/drawing/2014/main" id="{2CF70E8A-AB54-407E-B90D-FBB4F8234445}"/>
+              </a:ext>
+            </a:extLst>
+          </p:cNvPr>
+          <p:cNvSpPr/>
+          <p:nvPr/>
+        </p:nvSpPr>
+        <p:spPr>
+          <a:xfrm>
+            <a:off x="6618891" y="2342863"/>
+            <a:ext cx="225541" cy="1137474"/>
+          </a:xfrm>
+          <a:prstGeom prst="rightBrace">
+            <a:avLst/>
+          </a:prstGeom>
+          <a:noFill/>
+          <a:ln w="12700">
+            <a:solidFill>
+              <a:schemeClr val="tx1"/>
+            </a:solidFill>
+          </a:ln>
+        </p:spPr>
+        <p:style>
+          <a:lnRef idx="1">
+            <a:schemeClr val="accent1"/>
+          </a:lnRef>
+          <a:fillRef idx="0">
+            <a:schemeClr val="accent1"/>
+          </a:fillRef>
+          <a:effectRef idx="0">
+            <a:schemeClr val="accent1"/>
+          </a:effectRef>
+          <a:fontRef idx="minor">
+            <a:schemeClr val="tx1"/>
+          </a:fontRef>
+        </p:style>
+        <p:txBody>
+          <a:bodyPr rtlCol="0" anchor="ctr"/>
+          <a:lstStyle/>
+          <a:p>
+            <a:pPr algn="ctr"/>
+            <a:endParaRPr lang="en-CA"/>
+          </a:p>
+        </p:txBody>
+      </p:sp>
+      <p:sp>
+        <p:nvSpPr>
+          <p:cNvPr id="26" name="Right Brace 25">
+            <a:extLst>
+              <a:ext uri="{FF2B5EF4-FFF2-40B4-BE49-F238E27FC236}">
+                <a16:creationId xmlns:a16="http://schemas.microsoft.com/office/drawing/2014/main" id="{F6C94A2B-B222-1F68-813A-96729374C356}"/>
+              </a:ext>
+            </a:extLst>
+          </p:cNvPr>
+          <p:cNvSpPr/>
+          <p:nvPr/>
+        </p:nvSpPr>
+        <p:spPr>
+          <a:xfrm flipH="1">
+            <a:off x="2999013" y="2343295"/>
+            <a:ext cx="252530" cy="1137474"/>
+          </a:xfrm>
+          <a:prstGeom prst="rightBrace">
+            <a:avLst/>
+          </a:prstGeom>
+          <a:noFill/>
+          <a:ln w="12700">
+            <a:solidFill>
+              <a:schemeClr val="tx1"/>
+            </a:solidFill>
+          </a:ln>
+        </p:spPr>
+        <p:style>
+          <a:lnRef idx="1">
+            <a:schemeClr val="accent1"/>
+          </a:lnRef>
+          <a:fillRef idx="0">
+            <a:schemeClr val="accent1"/>
+          </a:fillRef>
+          <a:effectRef idx="0">
+            <a:schemeClr val="accent1"/>
+          </a:effectRef>
+          <a:fontRef idx="minor">
+            <a:schemeClr val="tx1"/>
+          </a:fontRef>
+        </p:style>
+        <p:txBody>
+          <a:bodyPr rtlCol="0" anchor="ctr"/>
+          <a:lstStyle/>
+          <a:p>
+            <a:pPr algn="ctr"/>
+            <a:endParaRPr lang="en-CA"/>
+          </a:p>
+        </p:txBody>
+      </p:sp>
+      <p:sp>
+        <p:nvSpPr>
+          <p:cNvPr id="27" name="TextBox 26">
+            <a:extLst>
+              <a:ext uri="{FF2B5EF4-FFF2-40B4-BE49-F238E27FC236}">
+                <a16:creationId xmlns:a16="http://schemas.microsoft.com/office/drawing/2014/main" id="{D3F111CF-FA2D-1357-8A9F-56B6F1C59E87}"/>
+              </a:ext>
+            </a:extLst>
+          </p:cNvPr>
+          <p:cNvSpPr txBox="1"/>
+          <p:nvPr/>
+        </p:nvSpPr>
+        <p:spPr>
+          <a:xfrm>
+            <a:off x="2146600" y="2757712"/>
+            <a:ext cx="806281" cy="307777"/>
+          </a:xfrm>
+          <a:prstGeom prst="rect">
+            <a:avLst/>
+          </a:prstGeom>
+          <a:noFill/>
+        </p:spPr>
+        <p:txBody>
+          <a:bodyPr wrap="square" rtlCol="0">
+            <a:spAutoFit/>
+          </a:bodyPr>
+          <a:lstStyle/>
+          <a:p>
+            <a:pPr algn="ctr"/>
+            <a:r>
+              <a:rPr lang="fr-CA" sz="1400" dirty="0" err="1"/>
+              <a:t>sigmoid</a:t>
+            </a:r>
+            <a:endParaRPr lang="en-CA" sz="1400" dirty="0"/>
+          </a:p>
+        </p:txBody>
+      </p:sp>
+    </p:spTree>
+    <p:extLst>
+      <p:ext uri="{BB962C8B-B14F-4D97-AF65-F5344CB8AC3E}">
+        <p14:creationId xmlns:p14="http://schemas.microsoft.com/office/powerpoint/2010/main" val="2199322060"/>
+      </p:ext>
+    </p:extLst>
+  </p:cSld>
+  <p:clrMapOvr>
+    <a:masterClrMapping/>
+  </p:clrMapOvr>
+</p:sld>
+</file>
+
+<file path=ppt/slides/slide6.xml><?xml version="1.0" encoding="utf-8"?>
+<p:sld xmlns:a="http://schemas.openxmlformats.org/drawingml/2006/main" xmlns:r="http://schemas.openxmlformats.org/officeDocument/2006/relationships" xmlns:p="http://schemas.openxmlformats.org/presentationml/2006/main">
+  <p:cSld>
+    <p:spTree>
+      <p:nvGrpSpPr>
+        <p:cNvPr id="1" name=""/>
+        <p:cNvGrpSpPr/>
+        <p:nvPr/>
+      </p:nvGrpSpPr>
+      <p:grpSpPr>
+        <a:xfrm>
+          <a:off x="0" y="0"/>
+          <a:ext cx="0" cy="0"/>
+          <a:chOff x="0" y="0"/>
+          <a:chExt cx="0" cy="0"/>
+        </a:xfrm>
+      </p:grpSpPr>
+      <p:sp>
+        <p:nvSpPr>
+          <p:cNvPr id="4" name="Rectangle 3">
+            <a:extLst>
+              <a:ext uri="{FF2B5EF4-FFF2-40B4-BE49-F238E27FC236}">
+                <a16:creationId xmlns:a16="http://schemas.microsoft.com/office/drawing/2014/main" id="{D6C1CA49-0E8B-1CE6-C00C-00820861C342}"/>
+              </a:ext>
+            </a:extLst>
+          </p:cNvPr>
+          <p:cNvSpPr/>
+          <p:nvPr/>
+        </p:nvSpPr>
+        <p:spPr>
+          <a:xfrm>
+            <a:off x="2117535" y="1473979"/>
+            <a:ext cx="569167" cy="569167"/>
+          </a:xfrm>
+          <a:prstGeom prst="rect">
+            <a:avLst/>
+          </a:prstGeom>
+          <a:solidFill>
+            <a:srgbClr val="023572"/>
+          </a:solidFill>
+          <a:ln>
+            <a:solidFill>
+              <a:schemeClr val="bg1"/>
+            </a:solidFill>
+          </a:ln>
+        </p:spPr>
+        <p:style>
+          <a:lnRef idx="2">
+            <a:schemeClr val="accent1">
+              <a:shade val="15000"/>
+            </a:schemeClr>
+          </a:lnRef>
+          <a:fillRef idx="1">
+            <a:schemeClr val="accent1"/>
+          </a:fillRef>
+          <a:effectRef idx="0">
+            <a:schemeClr val="accent1"/>
+          </a:effectRef>
+          <a:fontRef idx="minor">
+            <a:schemeClr val="lt1"/>
+          </a:fontRef>
+        </p:style>
+        <p:txBody>
+          <a:bodyPr rtlCol="0" anchor="ctr"/>
+          <a:lstStyle/>
+          <a:p>
+            <a:pPr algn="ctr"/>
+            <a:r>
+              <a:rPr lang="fr-CA" sz="900" dirty="0">
+                <a:solidFill>
+                  <a:schemeClr val="bg1"/>
+                </a:solidFill>
+              </a:rPr>
+              <a:t>F1N1T1</a:t>
+            </a:r>
+            <a:endParaRPr lang="en-CA" sz="900" dirty="0">
+              <a:solidFill>
+                <a:schemeClr val="bg1"/>
+              </a:solidFill>
+            </a:endParaRPr>
+          </a:p>
+        </p:txBody>
+      </p:sp>
+      <p:sp>
+        <p:nvSpPr>
+          <p:cNvPr id="5" name="Rectangle 4">
+            <a:extLst>
+              <a:ext uri="{FF2B5EF4-FFF2-40B4-BE49-F238E27FC236}">
+                <a16:creationId xmlns:a16="http://schemas.microsoft.com/office/drawing/2014/main" id="{E70BFE99-0119-505F-E21A-B42F92BB087D}"/>
+              </a:ext>
+            </a:extLst>
+          </p:cNvPr>
+          <p:cNvSpPr/>
+          <p:nvPr/>
+        </p:nvSpPr>
+        <p:spPr>
+          <a:xfrm>
+            <a:off x="2117536" y="2043314"/>
+            <a:ext cx="569167" cy="569167"/>
+          </a:xfrm>
+          <a:prstGeom prst="rect">
+            <a:avLst/>
+          </a:prstGeom>
+          <a:solidFill>
+            <a:srgbClr val="023572"/>
+          </a:solidFill>
+          <a:ln>
+            <a:solidFill>
+              <a:schemeClr val="bg1"/>
+            </a:solidFill>
+          </a:ln>
+        </p:spPr>
+        <p:style>
+          <a:lnRef idx="2">
+            <a:schemeClr val="accent1">
+              <a:shade val="15000"/>
+            </a:schemeClr>
+          </a:lnRef>
+          <a:fillRef idx="1">
+            <a:schemeClr val="accent1"/>
+          </a:fillRef>
+          <a:effectRef idx="0">
+            <a:schemeClr val="accent1"/>
+          </a:effectRef>
+          <a:fontRef idx="minor">
+            <a:schemeClr val="lt1"/>
+          </a:fontRef>
+        </p:style>
+        <p:txBody>
+          <a:bodyPr rtlCol="0" anchor="ctr"/>
+          <a:lstStyle/>
+          <a:p>
+            <a:pPr algn="ctr"/>
+            <a:r>
+              <a:rPr lang="fr-CA" sz="900" dirty="0">
+                <a:solidFill>
+                  <a:schemeClr val="bg1"/>
+                </a:solidFill>
+              </a:rPr>
+              <a:t>F2N1T1</a:t>
+            </a:r>
+            <a:endParaRPr lang="en-CA" sz="900" dirty="0">
+              <a:solidFill>
+                <a:schemeClr val="bg1"/>
+              </a:solidFill>
+            </a:endParaRPr>
+          </a:p>
+        </p:txBody>
+      </p:sp>
+      <p:sp>
+        <p:nvSpPr>
+          <p:cNvPr id="6" name="Rectangle 5">
+            <a:extLst>
+              <a:ext uri="{FF2B5EF4-FFF2-40B4-BE49-F238E27FC236}">
+                <a16:creationId xmlns:a16="http://schemas.microsoft.com/office/drawing/2014/main" id="{9B0CCEE5-3DF7-330A-43C8-DAD4CD7B654A}"/>
+              </a:ext>
+            </a:extLst>
+          </p:cNvPr>
+          <p:cNvSpPr/>
+          <p:nvPr/>
+        </p:nvSpPr>
+        <p:spPr>
+          <a:xfrm>
+            <a:off x="3250232" y="1473979"/>
+            <a:ext cx="569167" cy="569167"/>
+          </a:xfrm>
+          <a:prstGeom prst="rect">
+            <a:avLst/>
+          </a:prstGeom>
+          <a:solidFill>
+            <a:srgbClr val="023572"/>
+          </a:solidFill>
+          <a:ln>
+            <a:solidFill>
+              <a:schemeClr val="bg1"/>
+            </a:solidFill>
+          </a:ln>
+        </p:spPr>
+        <p:style>
+          <a:lnRef idx="2">
+            <a:schemeClr val="accent1">
+              <a:shade val="15000"/>
+            </a:schemeClr>
+          </a:lnRef>
+          <a:fillRef idx="1">
+            <a:schemeClr val="accent1"/>
+          </a:fillRef>
+          <a:effectRef idx="0">
+            <a:schemeClr val="accent1"/>
+          </a:effectRef>
+          <a:fontRef idx="minor">
+            <a:schemeClr val="lt1"/>
+          </a:fontRef>
+        </p:style>
+        <p:txBody>
+          <a:bodyPr rtlCol="0" anchor="ctr"/>
+          <a:lstStyle/>
+          <a:p>
+            <a:pPr algn="ctr"/>
+            <a:r>
+              <a:rPr lang="fr-CA" sz="900" dirty="0">
+                <a:solidFill>
+                  <a:schemeClr val="bg1"/>
+                </a:solidFill>
+              </a:rPr>
+              <a:t>F1N3T1</a:t>
+            </a:r>
+            <a:endParaRPr lang="en-CA" sz="900" dirty="0">
+              <a:solidFill>
+                <a:schemeClr val="bg1"/>
+              </a:solidFill>
+            </a:endParaRPr>
+          </a:p>
+        </p:txBody>
+      </p:sp>
+      <p:sp>
+        <p:nvSpPr>
+          <p:cNvPr id="25" name="Right Brace 24">
+            <a:extLst>
+              <a:ext uri="{FF2B5EF4-FFF2-40B4-BE49-F238E27FC236}">
+                <a16:creationId xmlns:a16="http://schemas.microsoft.com/office/drawing/2014/main" id="{2CF70E8A-AB54-407E-B90D-FBB4F8234445}"/>
+              </a:ext>
+            </a:extLst>
+          </p:cNvPr>
+          <p:cNvSpPr/>
+          <p:nvPr/>
+        </p:nvSpPr>
+        <p:spPr>
+          <a:xfrm rot="10800000">
+            <a:off x="1819740" y="1494527"/>
+            <a:ext cx="222795" cy="1117618"/>
+          </a:xfrm>
+          <a:prstGeom prst="rightBrace">
+            <a:avLst>
+              <a:gd name="adj1" fmla="val 74626"/>
+              <a:gd name="adj2" fmla="val 50000"/>
+            </a:avLst>
+          </a:prstGeom>
+          <a:noFill/>
+          <a:ln w="12700">
+            <a:solidFill>
+              <a:schemeClr val="tx1"/>
+            </a:solidFill>
+          </a:ln>
+        </p:spPr>
+        <p:style>
+          <a:lnRef idx="1">
+            <a:schemeClr val="accent1"/>
+          </a:lnRef>
+          <a:fillRef idx="0">
+            <a:schemeClr val="accent1"/>
+          </a:fillRef>
+          <a:effectRef idx="0">
+            <a:schemeClr val="accent1"/>
+          </a:effectRef>
+          <a:fontRef idx="minor">
+            <a:schemeClr val="tx1"/>
+          </a:fontRef>
+        </p:style>
+        <p:txBody>
+          <a:bodyPr rtlCol="0" anchor="ctr"/>
+          <a:lstStyle/>
+          <a:p>
+            <a:pPr algn="ctr"/>
+            <a:endParaRPr lang="en-CA"/>
+          </a:p>
+        </p:txBody>
+      </p:sp>
+      <p:sp>
+        <p:nvSpPr>
+          <p:cNvPr id="2" name="Rectangle 1">
+            <a:extLst>
+              <a:ext uri="{FF2B5EF4-FFF2-40B4-BE49-F238E27FC236}">
+                <a16:creationId xmlns:a16="http://schemas.microsoft.com/office/drawing/2014/main" id="{01573201-C87F-1CE4-07B1-A3D0A6E36DCD}"/>
+              </a:ext>
+            </a:extLst>
+          </p:cNvPr>
+          <p:cNvSpPr/>
+          <p:nvPr/>
+        </p:nvSpPr>
+        <p:spPr>
+          <a:xfrm>
+            <a:off x="2686702" y="1473979"/>
+            <a:ext cx="569167" cy="569167"/>
+          </a:xfrm>
+          <a:prstGeom prst="rect">
+            <a:avLst/>
+          </a:prstGeom>
+          <a:solidFill>
+            <a:srgbClr val="023572"/>
+          </a:solidFill>
+          <a:ln>
+            <a:solidFill>
+              <a:schemeClr val="bg1"/>
+            </a:solidFill>
+          </a:ln>
+        </p:spPr>
+        <p:style>
+          <a:lnRef idx="2">
+            <a:schemeClr val="accent1">
+              <a:shade val="15000"/>
+            </a:schemeClr>
+          </a:lnRef>
+          <a:fillRef idx="1">
+            <a:schemeClr val="accent1"/>
+          </a:fillRef>
+          <a:effectRef idx="0">
+            <a:schemeClr val="accent1"/>
+          </a:effectRef>
+          <a:fontRef idx="minor">
+            <a:schemeClr val="lt1"/>
+          </a:fontRef>
+        </p:style>
+        <p:txBody>
+          <a:bodyPr rtlCol="0" anchor="ctr"/>
+          <a:lstStyle/>
+          <a:p>
+            <a:pPr algn="ctr"/>
+            <a:r>
+              <a:rPr lang="fr-CA" sz="900" dirty="0">
+                <a:solidFill>
+                  <a:schemeClr val="bg1"/>
+                </a:solidFill>
+              </a:rPr>
+              <a:t>F1N2T1</a:t>
+            </a:r>
+            <a:endParaRPr lang="en-CA" sz="900" dirty="0">
+              <a:solidFill>
+                <a:schemeClr val="bg1"/>
+              </a:solidFill>
+            </a:endParaRPr>
+          </a:p>
+        </p:txBody>
+      </p:sp>
+      <p:sp>
+        <p:nvSpPr>
+          <p:cNvPr id="3" name="Rectangle 2">
+            <a:extLst>
+              <a:ext uri="{FF2B5EF4-FFF2-40B4-BE49-F238E27FC236}">
+                <a16:creationId xmlns:a16="http://schemas.microsoft.com/office/drawing/2014/main" id="{6D541A78-F171-25CB-6550-F74B2D318F6F}"/>
+              </a:ext>
+            </a:extLst>
+          </p:cNvPr>
+          <p:cNvSpPr/>
+          <p:nvPr/>
+        </p:nvSpPr>
+        <p:spPr>
+          <a:xfrm>
+            <a:off x="2686703" y="2043314"/>
+            <a:ext cx="569167" cy="569167"/>
+          </a:xfrm>
+          <a:prstGeom prst="rect">
+            <a:avLst/>
+          </a:prstGeom>
+          <a:solidFill>
+            <a:srgbClr val="023572"/>
+          </a:solidFill>
+          <a:ln>
+            <a:solidFill>
+              <a:schemeClr val="bg1"/>
+            </a:solidFill>
+          </a:ln>
+        </p:spPr>
+        <p:style>
+          <a:lnRef idx="2">
+            <a:schemeClr val="accent1">
+              <a:shade val="15000"/>
+            </a:schemeClr>
+          </a:lnRef>
+          <a:fillRef idx="1">
+            <a:schemeClr val="accent1"/>
+          </a:fillRef>
+          <a:effectRef idx="0">
+            <a:schemeClr val="accent1"/>
+          </a:effectRef>
+          <a:fontRef idx="minor">
+            <a:schemeClr val="lt1"/>
+          </a:fontRef>
+        </p:style>
+        <p:txBody>
+          <a:bodyPr rtlCol="0" anchor="ctr"/>
+          <a:lstStyle/>
+          <a:p>
+            <a:pPr algn="ctr"/>
+            <a:r>
+              <a:rPr lang="fr-CA" sz="900" dirty="0">
+                <a:solidFill>
+                  <a:schemeClr val="bg1"/>
+                </a:solidFill>
+              </a:rPr>
+              <a:t>F2N2T1</a:t>
+            </a:r>
+            <a:endParaRPr lang="en-CA" sz="900" dirty="0">
+              <a:solidFill>
+                <a:schemeClr val="bg1"/>
+              </a:solidFill>
+            </a:endParaRPr>
+          </a:p>
+        </p:txBody>
+      </p:sp>
+      <p:sp>
+        <p:nvSpPr>
+          <p:cNvPr id="10" name="Rectangle 9">
+            <a:extLst>
+              <a:ext uri="{FF2B5EF4-FFF2-40B4-BE49-F238E27FC236}">
+                <a16:creationId xmlns:a16="http://schemas.microsoft.com/office/drawing/2014/main" id="{CE1C833F-26D4-DCF1-8745-8CA770D82D3C}"/>
+              </a:ext>
+            </a:extLst>
+          </p:cNvPr>
+          <p:cNvSpPr/>
+          <p:nvPr/>
+        </p:nvSpPr>
+        <p:spPr>
+          <a:xfrm>
+            <a:off x="3819399" y="1473979"/>
+            <a:ext cx="569167" cy="569167"/>
+          </a:xfrm>
+          <a:prstGeom prst="rect">
+            <a:avLst/>
+          </a:prstGeom>
+          <a:solidFill>
+            <a:srgbClr val="023572"/>
+          </a:solidFill>
+          <a:ln>
+            <a:solidFill>
+              <a:schemeClr val="bg1"/>
+            </a:solidFill>
+          </a:ln>
+        </p:spPr>
+        <p:style>
+          <a:lnRef idx="2">
+            <a:schemeClr val="accent1">
+              <a:shade val="15000"/>
+            </a:schemeClr>
+          </a:lnRef>
+          <a:fillRef idx="1">
+            <a:schemeClr val="accent1"/>
+          </a:fillRef>
+          <a:effectRef idx="0">
+            <a:schemeClr val="accent1"/>
+          </a:effectRef>
+          <a:fontRef idx="minor">
+            <a:schemeClr val="lt1"/>
+          </a:fontRef>
+        </p:style>
+        <p:txBody>
+          <a:bodyPr rtlCol="0" anchor="ctr"/>
+          <a:lstStyle/>
+          <a:p>
+            <a:pPr algn="ctr"/>
+            <a:r>
+              <a:rPr lang="fr-CA" sz="900" dirty="0">
+                <a:solidFill>
+                  <a:schemeClr val="bg1"/>
+                </a:solidFill>
+              </a:rPr>
+              <a:t>F1N1T2</a:t>
+            </a:r>
+            <a:endParaRPr lang="en-CA" sz="900" dirty="0">
+              <a:solidFill>
+                <a:schemeClr val="bg1"/>
+              </a:solidFill>
+            </a:endParaRPr>
+          </a:p>
+        </p:txBody>
+      </p:sp>
+      <p:sp>
+        <p:nvSpPr>
+          <p:cNvPr id="14" name="Rectangle 13">
+            <a:extLst>
+              <a:ext uri="{FF2B5EF4-FFF2-40B4-BE49-F238E27FC236}">
+                <a16:creationId xmlns:a16="http://schemas.microsoft.com/office/drawing/2014/main" id="{D01D0FCF-13A3-4BF0-805D-F9CE4C650D1B}"/>
+              </a:ext>
+            </a:extLst>
+          </p:cNvPr>
+          <p:cNvSpPr/>
+          <p:nvPr/>
+        </p:nvSpPr>
+        <p:spPr>
+          <a:xfrm>
+            <a:off x="3250232" y="2042978"/>
+            <a:ext cx="569167" cy="569167"/>
+          </a:xfrm>
+          <a:prstGeom prst="rect">
+            <a:avLst/>
+          </a:prstGeom>
+          <a:solidFill>
+            <a:srgbClr val="023572"/>
+          </a:solidFill>
+          <a:ln>
+            <a:solidFill>
+              <a:schemeClr val="bg1"/>
+            </a:solidFill>
+          </a:ln>
+        </p:spPr>
+        <p:style>
+          <a:lnRef idx="2">
+            <a:schemeClr val="accent1">
+              <a:shade val="15000"/>
+            </a:schemeClr>
+          </a:lnRef>
+          <a:fillRef idx="1">
+            <a:schemeClr val="accent1"/>
+          </a:fillRef>
+          <a:effectRef idx="0">
+            <a:schemeClr val="accent1"/>
+          </a:effectRef>
+          <a:fontRef idx="minor">
+            <a:schemeClr val="lt1"/>
+          </a:fontRef>
+        </p:style>
+        <p:txBody>
+          <a:bodyPr rtlCol="0" anchor="ctr"/>
+          <a:lstStyle/>
+          <a:p>
+            <a:pPr algn="ctr"/>
+            <a:r>
+              <a:rPr lang="fr-CA" sz="900" dirty="0">
+                <a:solidFill>
+                  <a:schemeClr val="bg1"/>
+                </a:solidFill>
+              </a:rPr>
+              <a:t>F2N3T1</a:t>
+            </a:r>
+            <a:endParaRPr lang="en-CA" sz="900" dirty="0">
+              <a:solidFill>
+                <a:schemeClr val="bg1"/>
+              </a:solidFill>
+            </a:endParaRPr>
+          </a:p>
+        </p:txBody>
+      </p:sp>
+      <p:sp>
+        <p:nvSpPr>
+          <p:cNvPr id="17" name="Rectangle 16">
+            <a:extLst>
+              <a:ext uri="{FF2B5EF4-FFF2-40B4-BE49-F238E27FC236}">
+                <a16:creationId xmlns:a16="http://schemas.microsoft.com/office/drawing/2014/main" id="{4BF0D1AC-3185-C45E-EA73-2C409EC579CD}"/>
+              </a:ext>
+            </a:extLst>
+          </p:cNvPr>
+          <p:cNvSpPr/>
+          <p:nvPr/>
+        </p:nvSpPr>
+        <p:spPr>
+          <a:xfrm>
+            <a:off x="3819398" y="2042978"/>
+            <a:ext cx="569167" cy="569167"/>
+          </a:xfrm>
+          <a:prstGeom prst="rect">
+            <a:avLst/>
+          </a:prstGeom>
+          <a:solidFill>
+            <a:srgbClr val="023572"/>
+          </a:solidFill>
+          <a:ln>
+            <a:solidFill>
+              <a:schemeClr val="bg1"/>
+            </a:solidFill>
+          </a:ln>
+        </p:spPr>
+        <p:style>
+          <a:lnRef idx="2">
+            <a:schemeClr val="accent1">
+              <a:shade val="15000"/>
+            </a:schemeClr>
+          </a:lnRef>
+          <a:fillRef idx="1">
+            <a:schemeClr val="accent1"/>
+          </a:fillRef>
+          <a:effectRef idx="0">
+            <a:schemeClr val="accent1"/>
+          </a:effectRef>
+          <a:fontRef idx="minor">
+            <a:schemeClr val="lt1"/>
+          </a:fontRef>
+        </p:style>
+        <p:txBody>
+          <a:bodyPr rtlCol="0" anchor="ctr"/>
+          <a:lstStyle/>
+          <a:p>
+            <a:pPr algn="ctr"/>
+            <a:r>
+              <a:rPr lang="fr-CA" sz="900" dirty="0">
+                <a:solidFill>
+                  <a:schemeClr val="bg1"/>
+                </a:solidFill>
+              </a:rPr>
+              <a:t>F2N1T2</a:t>
+            </a:r>
+            <a:endParaRPr lang="en-CA" sz="900" dirty="0">
+              <a:solidFill>
+                <a:schemeClr val="bg1"/>
+              </a:solidFill>
+            </a:endParaRPr>
+          </a:p>
+        </p:txBody>
+      </p:sp>
+      <p:sp>
+        <p:nvSpPr>
+          <p:cNvPr id="20" name="Rectangle 19">
+            <a:extLst>
+              <a:ext uri="{FF2B5EF4-FFF2-40B4-BE49-F238E27FC236}">
+                <a16:creationId xmlns:a16="http://schemas.microsoft.com/office/drawing/2014/main" id="{A7021D29-C88A-7A23-4208-E5E468B0A46E}"/>
+              </a:ext>
+            </a:extLst>
+          </p:cNvPr>
+          <p:cNvSpPr/>
+          <p:nvPr/>
+        </p:nvSpPr>
+        <p:spPr>
+          <a:xfrm>
+            <a:off x="4382927" y="1473979"/>
+            <a:ext cx="569167" cy="569167"/>
+          </a:xfrm>
+          <a:prstGeom prst="rect">
+            <a:avLst/>
+          </a:prstGeom>
+          <a:solidFill>
+            <a:srgbClr val="023572"/>
+          </a:solidFill>
+          <a:ln>
+            <a:solidFill>
+              <a:schemeClr val="bg1"/>
+            </a:solidFill>
+          </a:ln>
+        </p:spPr>
+        <p:style>
+          <a:lnRef idx="2">
+            <a:schemeClr val="accent1">
+              <a:shade val="15000"/>
+            </a:schemeClr>
+          </a:lnRef>
+          <a:fillRef idx="1">
+            <a:schemeClr val="accent1"/>
+          </a:fillRef>
+          <a:effectRef idx="0">
+            <a:schemeClr val="accent1"/>
+          </a:effectRef>
+          <a:fontRef idx="minor">
+            <a:schemeClr val="lt1"/>
+          </a:fontRef>
+        </p:style>
+        <p:txBody>
+          <a:bodyPr rtlCol="0" anchor="ctr"/>
+          <a:lstStyle/>
+          <a:p>
+            <a:pPr algn="ctr"/>
+            <a:r>
+              <a:rPr lang="fr-CA" sz="900" dirty="0">
+                <a:solidFill>
+                  <a:schemeClr val="bg1"/>
+                </a:solidFill>
+              </a:rPr>
+              <a:t>F1N2T2</a:t>
+            </a:r>
+            <a:endParaRPr lang="en-CA" sz="900" dirty="0">
+              <a:solidFill>
+                <a:schemeClr val="bg1"/>
+              </a:solidFill>
+            </a:endParaRPr>
+          </a:p>
+        </p:txBody>
+      </p:sp>
+      <p:sp>
+        <p:nvSpPr>
+          <p:cNvPr id="23" name="Rectangle 22">
+            <a:extLst>
+              <a:ext uri="{FF2B5EF4-FFF2-40B4-BE49-F238E27FC236}">
+                <a16:creationId xmlns:a16="http://schemas.microsoft.com/office/drawing/2014/main" id="{D9CACD35-A7E7-D79E-EA75-9EDBF26C145E}"/>
+              </a:ext>
+            </a:extLst>
+          </p:cNvPr>
+          <p:cNvSpPr/>
+          <p:nvPr/>
+        </p:nvSpPr>
+        <p:spPr>
+          <a:xfrm>
+            <a:off x="4952094" y="1473979"/>
+            <a:ext cx="569167" cy="569167"/>
+          </a:xfrm>
+          <a:prstGeom prst="rect">
+            <a:avLst/>
+          </a:prstGeom>
+          <a:solidFill>
+            <a:srgbClr val="023572"/>
+          </a:solidFill>
+          <a:ln>
+            <a:solidFill>
+              <a:schemeClr val="bg1"/>
+            </a:solidFill>
+          </a:ln>
+        </p:spPr>
+        <p:style>
+          <a:lnRef idx="2">
+            <a:schemeClr val="accent1">
+              <a:shade val="15000"/>
+            </a:schemeClr>
+          </a:lnRef>
+          <a:fillRef idx="1">
+            <a:schemeClr val="accent1"/>
+          </a:fillRef>
+          <a:effectRef idx="0">
+            <a:schemeClr val="accent1"/>
+          </a:effectRef>
+          <a:fontRef idx="minor">
+            <a:schemeClr val="lt1"/>
+          </a:fontRef>
+        </p:style>
+        <p:txBody>
+          <a:bodyPr rtlCol="0" anchor="ctr"/>
+          <a:lstStyle/>
+          <a:p>
+            <a:pPr algn="ctr"/>
+            <a:r>
+              <a:rPr lang="fr-CA" sz="900" dirty="0">
+                <a:solidFill>
+                  <a:schemeClr val="bg1"/>
+                </a:solidFill>
+              </a:rPr>
+              <a:t>F1N3T2</a:t>
+            </a:r>
+            <a:endParaRPr lang="en-CA" sz="900" dirty="0">
+              <a:solidFill>
+                <a:schemeClr val="bg1"/>
+              </a:solidFill>
+            </a:endParaRPr>
+          </a:p>
+        </p:txBody>
+      </p:sp>
+      <p:sp>
+        <p:nvSpPr>
+          <p:cNvPr id="24" name="Rectangle 23">
+            <a:extLst>
+              <a:ext uri="{FF2B5EF4-FFF2-40B4-BE49-F238E27FC236}">
+                <a16:creationId xmlns:a16="http://schemas.microsoft.com/office/drawing/2014/main" id="{BF92C5CD-AA45-FEAE-E78D-9EDE5667E109}"/>
+              </a:ext>
+            </a:extLst>
+          </p:cNvPr>
+          <p:cNvSpPr/>
+          <p:nvPr/>
+        </p:nvSpPr>
+        <p:spPr>
+          <a:xfrm>
+            <a:off x="4382927" y="2042978"/>
+            <a:ext cx="569167" cy="569167"/>
+          </a:xfrm>
+          <a:prstGeom prst="rect">
+            <a:avLst/>
+          </a:prstGeom>
+          <a:solidFill>
+            <a:srgbClr val="023572"/>
+          </a:solidFill>
+          <a:ln>
+            <a:solidFill>
+              <a:schemeClr val="bg1"/>
+            </a:solidFill>
+          </a:ln>
+        </p:spPr>
+        <p:style>
+          <a:lnRef idx="2">
+            <a:schemeClr val="accent1">
+              <a:shade val="15000"/>
+            </a:schemeClr>
+          </a:lnRef>
+          <a:fillRef idx="1">
+            <a:schemeClr val="accent1"/>
+          </a:fillRef>
+          <a:effectRef idx="0">
+            <a:schemeClr val="accent1"/>
+          </a:effectRef>
+          <a:fontRef idx="minor">
+            <a:schemeClr val="lt1"/>
+          </a:fontRef>
+        </p:style>
+        <p:txBody>
+          <a:bodyPr rtlCol="0" anchor="ctr"/>
+          <a:lstStyle/>
+          <a:p>
+            <a:pPr algn="ctr"/>
+            <a:r>
+              <a:rPr lang="fr-CA" sz="900" dirty="0">
+                <a:solidFill>
+                  <a:schemeClr val="bg1"/>
+                </a:solidFill>
+              </a:rPr>
+              <a:t>F2N2T2</a:t>
+            </a:r>
+            <a:endParaRPr lang="en-CA" sz="900" dirty="0">
+              <a:solidFill>
+                <a:schemeClr val="bg1"/>
+              </a:solidFill>
+            </a:endParaRPr>
+          </a:p>
+        </p:txBody>
+      </p:sp>
+      <p:sp>
+        <p:nvSpPr>
+          <p:cNvPr id="28" name="Rectangle 27">
+            <a:extLst>
+              <a:ext uri="{FF2B5EF4-FFF2-40B4-BE49-F238E27FC236}">
+                <a16:creationId xmlns:a16="http://schemas.microsoft.com/office/drawing/2014/main" id="{CCFA3581-0B64-6F32-5621-E3C472A4CAE4}"/>
+              </a:ext>
+            </a:extLst>
+          </p:cNvPr>
+          <p:cNvSpPr/>
+          <p:nvPr/>
+        </p:nvSpPr>
+        <p:spPr>
+          <a:xfrm>
+            <a:off x="4952093" y="2042978"/>
+            <a:ext cx="569167" cy="569167"/>
+          </a:xfrm>
+          <a:prstGeom prst="rect">
+            <a:avLst/>
+          </a:prstGeom>
+          <a:solidFill>
+            <a:srgbClr val="023572"/>
+          </a:solidFill>
+          <a:ln>
+            <a:solidFill>
+              <a:schemeClr val="bg1"/>
+            </a:solidFill>
+          </a:ln>
+        </p:spPr>
+        <p:style>
+          <a:lnRef idx="2">
+            <a:schemeClr val="accent1">
+              <a:shade val="15000"/>
+            </a:schemeClr>
+          </a:lnRef>
+          <a:fillRef idx="1">
+            <a:schemeClr val="accent1"/>
+          </a:fillRef>
+          <a:effectRef idx="0">
+            <a:schemeClr val="accent1"/>
+          </a:effectRef>
+          <a:fontRef idx="minor">
+            <a:schemeClr val="lt1"/>
+          </a:fontRef>
+        </p:style>
+        <p:txBody>
+          <a:bodyPr rtlCol="0" anchor="ctr"/>
+          <a:lstStyle/>
+          <a:p>
+            <a:pPr algn="ctr"/>
+            <a:r>
+              <a:rPr lang="fr-CA" sz="900" dirty="0">
+                <a:solidFill>
+                  <a:schemeClr val="bg1"/>
+                </a:solidFill>
+              </a:rPr>
+              <a:t>F2N3T2</a:t>
+            </a:r>
+            <a:endParaRPr lang="en-CA" sz="900" dirty="0">
+              <a:solidFill>
+                <a:schemeClr val="bg1"/>
+              </a:solidFill>
+            </a:endParaRPr>
+          </a:p>
+        </p:txBody>
+      </p:sp>
+      <p:sp>
+        <p:nvSpPr>
+          <p:cNvPr id="35" name="Right Brace 34">
+            <a:extLst>
+              <a:ext uri="{FF2B5EF4-FFF2-40B4-BE49-F238E27FC236}">
+                <a16:creationId xmlns:a16="http://schemas.microsoft.com/office/drawing/2014/main" id="{D05493B3-6F73-6E46-4FD9-33638A7183AF}"/>
+              </a:ext>
+            </a:extLst>
+          </p:cNvPr>
+          <p:cNvSpPr/>
+          <p:nvPr/>
+        </p:nvSpPr>
+        <p:spPr>
+          <a:xfrm rot="16200000">
+            <a:off x="2870171" y="523875"/>
+            <a:ext cx="202228" cy="1697307"/>
+          </a:xfrm>
+          <a:prstGeom prst="rightBrace">
+            <a:avLst>
+              <a:gd name="adj1" fmla="val 74626"/>
+              <a:gd name="adj2" fmla="val 50000"/>
+            </a:avLst>
+          </a:prstGeom>
+          <a:noFill/>
+          <a:ln w="12700">
+            <a:solidFill>
+              <a:schemeClr val="tx1"/>
+            </a:solidFill>
+          </a:ln>
+        </p:spPr>
+        <p:style>
+          <a:lnRef idx="1">
+            <a:schemeClr val="accent1"/>
+          </a:lnRef>
+          <a:fillRef idx="0">
+            <a:schemeClr val="accent1"/>
+          </a:fillRef>
+          <a:effectRef idx="0">
+            <a:schemeClr val="accent1"/>
+          </a:effectRef>
+          <a:fontRef idx="minor">
+            <a:schemeClr val="tx1"/>
+          </a:fontRef>
+        </p:style>
+        <p:txBody>
+          <a:bodyPr rtlCol="0" anchor="ctr"/>
+          <a:lstStyle/>
+          <a:p>
+            <a:pPr algn="ctr"/>
+            <a:endParaRPr lang="en-CA"/>
+          </a:p>
+        </p:txBody>
+      </p:sp>
+      <p:sp>
+        <p:nvSpPr>
+          <p:cNvPr id="36" name="Rectangle 35">
+            <a:extLst>
+              <a:ext uri="{FF2B5EF4-FFF2-40B4-BE49-F238E27FC236}">
+                <a16:creationId xmlns:a16="http://schemas.microsoft.com/office/drawing/2014/main" id="{5DD7D42B-3621-D768-9627-547E0B9EE939}"/>
+              </a:ext>
+            </a:extLst>
+          </p:cNvPr>
+          <p:cNvSpPr/>
+          <p:nvPr/>
+        </p:nvSpPr>
+        <p:spPr>
+          <a:xfrm>
+            <a:off x="2117535" y="3181144"/>
+            <a:ext cx="569167" cy="569167"/>
+          </a:xfrm>
+          <a:prstGeom prst="rect">
+            <a:avLst/>
+          </a:prstGeom>
+          <a:solidFill>
+            <a:srgbClr val="DFF3FC"/>
+          </a:solidFill>
+          <a:ln>
+            <a:solidFill>
+              <a:schemeClr val="bg1"/>
+            </a:solidFill>
+          </a:ln>
+        </p:spPr>
+        <p:style>
+          <a:lnRef idx="2">
+            <a:schemeClr val="accent1">
+              <a:shade val="15000"/>
+            </a:schemeClr>
+          </a:lnRef>
+          <a:fillRef idx="1">
+            <a:schemeClr val="accent1"/>
+          </a:fillRef>
+          <a:effectRef idx="0">
+            <a:schemeClr val="accent1"/>
+          </a:effectRef>
+          <a:fontRef idx="minor">
+            <a:schemeClr val="lt1"/>
+          </a:fontRef>
+        </p:style>
+        <p:txBody>
+          <a:bodyPr rtlCol="0" anchor="ctr"/>
+          <a:lstStyle/>
+          <a:p>
+            <a:pPr algn="ctr"/>
+            <a:r>
+              <a:rPr lang="fr-CA" sz="900" dirty="0">
+                <a:solidFill>
+                  <a:schemeClr val="tx1"/>
+                </a:solidFill>
+              </a:rPr>
+              <a:t>N1T1</a:t>
+            </a:r>
+            <a:endParaRPr lang="en-CA" sz="900" dirty="0">
+              <a:solidFill>
+                <a:schemeClr val="tx1"/>
+              </a:solidFill>
+            </a:endParaRPr>
+          </a:p>
+        </p:txBody>
+      </p:sp>
+      <p:sp>
+        <p:nvSpPr>
+          <p:cNvPr id="40" name="Rectangle 39">
+            <a:extLst>
+              <a:ext uri="{FF2B5EF4-FFF2-40B4-BE49-F238E27FC236}">
+                <a16:creationId xmlns:a16="http://schemas.microsoft.com/office/drawing/2014/main" id="{A9B56E56-496E-9C23-E379-DF89228E824D}"/>
+              </a:ext>
+            </a:extLst>
+          </p:cNvPr>
+          <p:cNvSpPr/>
+          <p:nvPr/>
+        </p:nvSpPr>
+        <p:spPr>
+          <a:xfrm>
+            <a:off x="2686702" y="3181144"/>
+            <a:ext cx="569167" cy="569167"/>
+          </a:xfrm>
+          <a:prstGeom prst="rect">
+            <a:avLst/>
+          </a:prstGeom>
+          <a:solidFill>
+            <a:srgbClr val="DFF3FC"/>
+          </a:solidFill>
+          <a:ln>
+            <a:solidFill>
+              <a:schemeClr val="bg1"/>
+            </a:solidFill>
+          </a:ln>
+        </p:spPr>
+        <p:style>
+          <a:lnRef idx="2">
+            <a:schemeClr val="accent1">
+              <a:shade val="15000"/>
+            </a:schemeClr>
+          </a:lnRef>
+          <a:fillRef idx="1">
+            <a:schemeClr val="accent1"/>
+          </a:fillRef>
+          <a:effectRef idx="0">
+            <a:schemeClr val="accent1"/>
+          </a:effectRef>
+          <a:fontRef idx="minor">
+            <a:schemeClr val="lt1"/>
+          </a:fontRef>
+        </p:style>
+        <p:txBody>
+          <a:bodyPr rtlCol="0" anchor="ctr"/>
+          <a:lstStyle/>
+          <a:p>
+            <a:pPr algn="ctr"/>
+            <a:r>
+              <a:rPr lang="fr-CA" sz="900" dirty="0">
+                <a:solidFill>
+                  <a:schemeClr val="tx1"/>
+                </a:solidFill>
+              </a:rPr>
+              <a:t>N2T1</a:t>
+            </a:r>
+            <a:endParaRPr lang="en-CA" sz="900" dirty="0">
+              <a:solidFill>
+                <a:schemeClr val="tx1"/>
+              </a:solidFill>
+            </a:endParaRPr>
+          </a:p>
+        </p:txBody>
+      </p:sp>
+      <p:sp>
+        <p:nvSpPr>
+          <p:cNvPr id="41" name="Rectangle 40">
+            <a:extLst>
+              <a:ext uri="{FF2B5EF4-FFF2-40B4-BE49-F238E27FC236}">
+                <a16:creationId xmlns:a16="http://schemas.microsoft.com/office/drawing/2014/main" id="{6BE6CBC8-D8CC-F50A-7A66-3550DF5DA0F2}"/>
+              </a:ext>
+            </a:extLst>
+          </p:cNvPr>
+          <p:cNvSpPr/>
+          <p:nvPr/>
+        </p:nvSpPr>
+        <p:spPr>
+          <a:xfrm>
+            <a:off x="3250231" y="3180808"/>
+            <a:ext cx="569167" cy="569167"/>
+          </a:xfrm>
+          <a:prstGeom prst="rect">
+            <a:avLst/>
+          </a:prstGeom>
+          <a:solidFill>
+            <a:srgbClr val="DFF3FC"/>
+          </a:solidFill>
+          <a:ln>
+            <a:solidFill>
+              <a:schemeClr val="bg1"/>
+            </a:solidFill>
+          </a:ln>
+        </p:spPr>
+        <p:style>
+          <a:lnRef idx="2">
+            <a:schemeClr val="accent1">
+              <a:shade val="15000"/>
+            </a:schemeClr>
+          </a:lnRef>
+          <a:fillRef idx="1">
+            <a:schemeClr val="accent1"/>
+          </a:fillRef>
+          <a:effectRef idx="0">
+            <a:schemeClr val="accent1"/>
+          </a:effectRef>
+          <a:fontRef idx="minor">
+            <a:schemeClr val="lt1"/>
+          </a:fontRef>
+        </p:style>
+        <p:txBody>
+          <a:bodyPr rtlCol="0" anchor="ctr"/>
+          <a:lstStyle/>
+          <a:p>
+            <a:pPr algn="ctr"/>
+            <a:r>
+              <a:rPr lang="fr-CA" sz="900" dirty="0">
+                <a:solidFill>
+                  <a:schemeClr val="tx1"/>
+                </a:solidFill>
+              </a:rPr>
+              <a:t>N3T1</a:t>
+            </a:r>
+            <a:endParaRPr lang="en-CA" sz="900" dirty="0">
+              <a:solidFill>
+                <a:schemeClr val="tx1"/>
+              </a:solidFill>
+            </a:endParaRPr>
+          </a:p>
+        </p:txBody>
+      </p:sp>
+      <p:sp>
+        <p:nvSpPr>
+          <p:cNvPr id="42" name="Rectangle 41">
+            <a:extLst>
+              <a:ext uri="{FF2B5EF4-FFF2-40B4-BE49-F238E27FC236}">
+                <a16:creationId xmlns:a16="http://schemas.microsoft.com/office/drawing/2014/main" id="{BC28D7C4-388C-9765-48F4-4E75DFF69047}"/>
+              </a:ext>
+            </a:extLst>
+          </p:cNvPr>
+          <p:cNvSpPr/>
+          <p:nvPr/>
+        </p:nvSpPr>
+        <p:spPr>
+          <a:xfrm>
+            <a:off x="3819397" y="3180808"/>
+            <a:ext cx="569167" cy="569167"/>
+          </a:xfrm>
+          <a:prstGeom prst="rect">
+            <a:avLst/>
+          </a:prstGeom>
+          <a:solidFill>
+            <a:srgbClr val="DFF3FC"/>
+          </a:solidFill>
+          <a:ln>
+            <a:solidFill>
+              <a:schemeClr val="bg1"/>
+            </a:solidFill>
+          </a:ln>
+        </p:spPr>
+        <p:style>
+          <a:lnRef idx="2">
+            <a:schemeClr val="accent1">
+              <a:shade val="15000"/>
+            </a:schemeClr>
+          </a:lnRef>
+          <a:fillRef idx="1">
+            <a:schemeClr val="accent1"/>
+          </a:fillRef>
+          <a:effectRef idx="0">
+            <a:schemeClr val="accent1"/>
+          </a:effectRef>
+          <a:fontRef idx="minor">
+            <a:schemeClr val="lt1"/>
+          </a:fontRef>
+        </p:style>
+        <p:txBody>
+          <a:bodyPr rtlCol="0" anchor="ctr"/>
+          <a:lstStyle/>
+          <a:p>
+            <a:pPr algn="ctr"/>
+            <a:r>
+              <a:rPr lang="fr-CA" sz="900" dirty="0">
+                <a:solidFill>
+                  <a:schemeClr val="tx1"/>
+                </a:solidFill>
+              </a:rPr>
+              <a:t>N3T1</a:t>
+            </a:r>
+            <a:endParaRPr lang="en-CA" sz="900" dirty="0">
+              <a:solidFill>
+                <a:schemeClr val="tx1"/>
+              </a:solidFill>
+            </a:endParaRPr>
+          </a:p>
+        </p:txBody>
+      </p:sp>
+      <p:sp>
+        <p:nvSpPr>
+          <p:cNvPr id="43" name="Rectangle 42">
+            <a:extLst>
+              <a:ext uri="{FF2B5EF4-FFF2-40B4-BE49-F238E27FC236}">
+                <a16:creationId xmlns:a16="http://schemas.microsoft.com/office/drawing/2014/main" id="{64FB89F7-4C42-4631-1EE6-EB3D3F527ED9}"/>
+              </a:ext>
+            </a:extLst>
+          </p:cNvPr>
+          <p:cNvSpPr/>
+          <p:nvPr/>
+        </p:nvSpPr>
+        <p:spPr>
+          <a:xfrm>
+            <a:off x="4382926" y="3180808"/>
+            <a:ext cx="569167" cy="569167"/>
+          </a:xfrm>
+          <a:prstGeom prst="rect">
+            <a:avLst/>
+          </a:prstGeom>
+          <a:solidFill>
+            <a:srgbClr val="DFF3FC"/>
+          </a:solidFill>
+          <a:ln>
+            <a:solidFill>
+              <a:schemeClr val="bg1"/>
+            </a:solidFill>
+          </a:ln>
+        </p:spPr>
+        <p:style>
+          <a:lnRef idx="2">
+            <a:schemeClr val="accent1">
+              <a:shade val="15000"/>
+            </a:schemeClr>
+          </a:lnRef>
+          <a:fillRef idx="1">
+            <a:schemeClr val="accent1"/>
+          </a:fillRef>
+          <a:effectRef idx="0">
+            <a:schemeClr val="accent1"/>
+          </a:effectRef>
+          <a:fontRef idx="minor">
+            <a:schemeClr val="lt1"/>
+          </a:fontRef>
+        </p:style>
+        <p:txBody>
+          <a:bodyPr rtlCol="0" anchor="ctr"/>
+          <a:lstStyle/>
+          <a:p>
+            <a:pPr algn="ctr"/>
+            <a:r>
+              <a:rPr lang="fr-CA" sz="900" dirty="0">
+                <a:solidFill>
+                  <a:schemeClr val="tx1"/>
+                </a:solidFill>
+              </a:rPr>
+              <a:t>N3T1</a:t>
+            </a:r>
+            <a:endParaRPr lang="en-CA" sz="900" dirty="0">
+              <a:solidFill>
+                <a:schemeClr val="tx1"/>
+              </a:solidFill>
+            </a:endParaRPr>
+          </a:p>
+        </p:txBody>
+      </p:sp>
+      <p:sp>
+        <p:nvSpPr>
+          <p:cNvPr id="44" name="Rectangle 43">
+            <a:extLst>
+              <a:ext uri="{FF2B5EF4-FFF2-40B4-BE49-F238E27FC236}">
+                <a16:creationId xmlns:a16="http://schemas.microsoft.com/office/drawing/2014/main" id="{F39FBDB8-EE36-95AF-C0FB-69C92884DCC4}"/>
+              </a:ext>
+            </a:extLst>
+          </p:cNvPr>
+          <p:cNvSpPr/>
+          <p:nvPr/>
+        </p:nvSpPr>
+        <p:spPr>
+          <a:xfrm>
+            <a:off x="4952092" y="3180808"/>
+            <a:ext cx="569167" cy="569167"/>
+          </a:xfrm>
+          <a:prstGeom prst="rect">
+            <a:avLst/>
+          </a:prstGeom>
+          <a:solidFill>
+            <a:srgbClr val="DFF3FC"/>
+          </a:solidFill>
+          <a:ln>
+            <a:solidFill>
+              <a:schemeClr val="bg1"/>
+            </a:solidFill>
+          </a:ln>
+        </p:spPr>
+        <p:style>
+          <a:lnRef idx="2">
+            <a:schemeClr val="accent1">
+              <a:shade val="15000"/>
+            </a:schemeClr>
+          </a:lnRef>
+          <a:fillRef idx="1">
+            <a:schemeClr val="accent1"/>
+          </a:fillRef>
+          <a:effectRef idx="0">
+            <a:schemeClr val="accent1"/>
+          </a:effectRef>
+          <a:fontRef idx="minor">
+            <a:schemeClr val="lt1"/>
+          </a:fontRef>
+        </p:style>
+        <p:txBody>
+          <a:bodyPr rtlCol="0" anchor="ctr"/>
+          <a:lstStyle/>
+          <a:p>
+            <a:pPr algn="ctr"/>
+            <a:r>
+              <a:rPr lang="fr-CA" sz="900" dirty="0">
+                <a:solidFill>
+                  <a:schemeClr val="tx1"/>
+                </a:solidFill>
+              </a:rPr>
+              <a:t>N3T1</a:t>
+            </a:r>
+            <a:endParaRPr lang="en-CA" sz="900" dirty="0">
+              <a:solidFill>
+                <a:schemeClr val="tx1"/>
+              </a:solidFill>
+            </a:endParaRPr>
+          </a:p>
+        </p:txBody>
+      </p:sp>
+      <p:sp>
+        <p:nvSpPr>
+          <p:cNvPr id="45" name="Right Brace 44">
+            <a:extLst>
+              <a:ext uri="{FF2B5EF4-FFF2-40B4-BE49-F238E27FC236}">
+                <a16:creationId xmlns:a16="http://schemas.microsoft.com/office/drawing/2014/main" id="{22FA01E5-4585-DF53-0918-21CC873EC33A}"/>
+              </a:ext>
+            </a:extLst>
+          </p:cNvPr>
+          <p:cNvSpPr/>
+          <p:nvPr/>
+        </p:nvSpPr>
+        <p:spPr>
+          <a:xfrm rot="10800000">
+            <a:off x="1840018" y="3180806"/>
+            <a:ext cx="222794" cy="569167"/>
+          </a:xfrm>
+          <a:prstGeom prst="rightBrace">
+            <a:avLst>
+              <a:gd name="adj1" fmla="val 74626"/>
+              <a:gd name="adj2" fmla="val 50000"/>
+            </a:avLst>
+          </a:prstGeom>
+          <a:noFill/>
+          <a:ln w="12700">
+            <a:solidFill>
+              <a:schemeClr val="tx1"/>
+            </a:solidFill>
+          </a:ln>
+        </p:spPr>
+        <p:style>
+          <a:lnRef idx="1">
+            <a:schemeClr val="accent1"/>
+          </a:lnRef>
+          <a:fillRef idx="0">
+            <a:schemeClr val="accent1"/>
+          </a:fillRef>
+          <a:effectRef idx="0">
+            <a:schemeClr val="accent1"/>
+          </a:effectRef>
+          <a:fontRef idx="minor">
+            <a:schemeClr val="tx1"/>
+          </a:fontRef>
+        </p:style>
+        <p:txBody>
+          <a:bodyPr rtlCol="0" anchor="ctr"/>
+          <a:lstStyle/>
+          <a:p>
+            <a:pPr algn="ctr"/>
+            <a:endParaRPr lang="en-CA"/>
+          </a:p>
+        </p:txBody>
+      </p:sp>
+      <p:sp>
+        <p:nvSpPr>
+          <p:cNvPr id="46" name="Rectangle 45">
+            <a:extLst>
+              <a:ext uri="{FF2B5EF4-FFF2-40B4-BE49-F238E27FC236}">
+                <a16:creationId xmlns:a16="http://schemas.microsoft.com/office/drawing/2014/main" id="{E082B9F0-8198-1731-9305-AD0C3C897A0C}"/>
+              </a:ext>
+            </a:extLst>
+          </p:cNvPr>
+          <p:cNvSpPr/>
+          <p:nvPr/>
+        </p:nvSpPr>
+        <p:spPr>
+          <a:xfrm>
+            <a:off x="2109959" y="4293740"/>
+            <a:ext cx="569167" cy="569167"/>
+          </a:xfrm>
+          <a:prstGeom prst="rect">
+            <a:avLst/>
+          </a:prstGeom>
+          <a:solidFill>
+            <a:srgbClr val="00B050"/>
+          </a:solidFill>
+          <a:ln>
+            <a:solidFill>
+              <a:schemeClr val="bg1"/>
+            </a:solidFill>
+          </a:ln>
+        </p:spPr>
+        <p:style>
+          <a:lnRef idx="2">
+            <a:schemeClr val="accent1">
+              <a:shade val="15000"/>
+            </a:schemeClr>
+          </a:lnRef>
+          <a:fillRef idx="1">
+            <a:schemeClr val="accent1"/>
+          </a:fillRef>
+          <a:effectRef idx="0">
+            <a:schemeClr val="accent1"/>
+          </a:effectRef>
+          <a:fontRef idx="minor">
+            <a:schemeClr val="lt1"/>
+          </a:fontRef>
+        </p:style>
+        <p:txBody>
+          <a:bodyPr rtlCol="0" anchor="ctr"/>
+          <a:lstStyle/>
+          <a:p>
+            <a:pPr algn="ctr"/>
+            <a:r>
+              <a:rPr lang="fr-CA" sz="900" dirty="0">
+                <a:solidFill>
+                  <a:schemeClr val="bg1"/>
+                </a:solidFill>
+              </a:rPr>
+              <a:t>P1L1T1</a:t>
+            </a:r>
+            <a:endParaRPr lang="en-CA" sz="900" dirty="0">
+              <a:solidFill>
+                <a:schemeClr val="bg1"/>
+              </a:solidFill>
+            </a:endParaRPr>
+          </a:p>
+        </p:txBody>
+      </p:sp>
+      <p:sp>
+        <p:nvSpPr>
+          <p:cNvPr id="47" name="Rectangle 46">
+            <a:extLst>
+              <a:ext uri="{FF2B5EF4-FFF2-40B4-BE49-F238E27FC236}">
+                <a16:creationId xmlns:a16="http://schemas.microsoft.com/office/drawing/2014/main" id="{6287D2DC-106F-89CC-C89B-65EFEEB960D8}"/>
+              </a:ext>
+            </a:extLst>
+          </p:cNvPr>
+          <p:cNvSpPr/>
+          <p:nvPr/>
+        </p:nvSpPr>
+        <p:spPr>
+          <a:xfrm>
+            <a:off x="2109960" y="4863075"/>
+            <a:ext cx="569167" cy="569167"/>
+          </a:xfrm>
+          <a:prstGeom prst="rect">
+            <a:avLst/>
+          </a:prstGeom>
+          <a:solidFill>
+            <a:srgbClr val="00B050"/>
+          </a:solidFill>
+          <a:ln>
+            <a:solidFill>
+              <a:schemeClr val="bg1"/>
+            </a:solidFill>
+          </a:ln>
+        </p:spPr>
+        <p:style>
+          <a:lnRef idx="2">
+            <a:schemeClr val="accent1">
+              <a:shade val="15000"/>
+            </a:schemeClr>
+          </a:lnRef>
+          <a:fillRef idx="1">
+            <a:schemeClr val="accent1"/>
+          </a:fillRef>
+          <a:effectRef idx="0">
+            <a:schemeClr val="accent1"/>
+          </a:effectRef>
+          <a:fontRef idx="minor">
+            <a:schemeClr val="lt1"/>
+          </a:fontRef>
+        </p:style>
+        <p:txBody>
+          <a:bodyPr rtlCol="0" anchor="ctr"/>
+          <a:lstStyle/>
+          <a:p>
+            <a:pPr algn="ctr"/>
+            <a:r>
+              <a:rPr lang="fr-CA" sz="900" dirty="0">
+                <a:solidFill>
+                  <a:schemeClr val="bg1"/>
+                </a:solidFill>
+              </a:rPr>
+              <a:t>P2L1T1</a:t>
+            </a:r>
+            <a:endParaRPr lang="en-CA" sz="900" dirty="0">
+              <a:solidFill>
+                <a:schemeClr val="bg1"/>
+              </a:solidFill>
+            </a:endParaRPr>
+          </a:p>
+        </p:txBody>
+      </p:sp>
+      <p:sp>
+        <p:nvSpPr>
+          <p:cNvPr id="48" name="Rectangle 47">
+            <a:extLst>
+              <a:ext uri="{FF2B5EF4-FFF2-40B4-BE49-F238E27FC236}">
+                <a16:creationId xmlns:a16="http://schemas.microsoft.com/office/drawing/2014/main" id="{9AE72335-4E80-AA99-A1DA-B9C6703D8830}"/>
+              </a:ext>
+            </a:extLst>
+          </p:cNvPr>
+          <p:cNvSpPr/>
+          <p:nvPr/>
+        </p:nvSpPr>
+        <p:spPr>
+          <a:xfrm>
+            <a:off x="3242656" y="4293740"/>
+            <a:ext cx="569167" cy="569167"/>
+          </a:xfrm>
+          <a:prstGeom prst="rect">
+            <a:avLst/>
+          </a:prstGeom>
+          <a:solidFill>
+            <a:srgbClr val="00B050"/>
+          </a:solidFill>
+          <a:ln>
+            <a:solidFill>
+              <a:schemeClr val="bg1"/>
+            </a:solidFill>
+          </a:ln>
+        </p:spPr>
+        <p:style>
+          <a:lnRef idx="2">
+            <a:schemeClr val="accent1">
+              <a:shade val="15000"/>
+            </a:schemeClr>
+          </a:lnRef>
+          <a:fillRef idx="1">
+            <a:schemeClr val="accent1"/>
+          </a:fillRef>
+          <a:effectRef idx="0">
+            <a:schemeClr val="accent1"/>
+          </a:effectRef>
+          <a:fontRef idx="minor">
+            <a:schemeClr val="lt1"/>
+          </a:fontRef>
+        </p:style>
+        <p:txBody>
+          <a:bodyPr rtlCol="0" anchor="ctr"/>
+          <a:lstStyle/>
+          <a:p>
+            <a:pPr algn="ctr"/>
+            <a:r>
+              <a:rPr lang="fr-CA" sz="900" dirty="0">
+                <a:solidFill>
+                  <a:schemeClr val="bg1"/>
+                </a:solidFill>
+              </a:rPr>
+              <a:t>P1L3T1</a:t>
+            </a:r>
+            <a:endParaRPr lang="en-CA" sz="900" dirty="0">
+              <a:solidFill>
+                <a:schemeClr val="bg1"/>
+              </a:solidFill>
+            </a:endParaRPr>
+          </a:p>
+        </p:txBody>
+      </p:sp>
+      <p:sp>
+        <p:nvSpPr>
+          <p:cNvPr id="49" name="Right Brace 48">
+            <a:extLst>
+              <a:ext uri="{FF2B5EF4-FFF2-40B4-BE49-F238E27FC236}">
+                <a16:creationId xmlns:a16="http://schemas.microsoft.com/office/drawing/2014/main" id="{1D6B3D30-FB7F-5A2B-2FC2-6E8C7F2AAF2B}"/>
+              </a:ext>
+            </a:extLst>
+          </p:cNvPr>
+          <p:cNvSpPr/>
+          <p:nvPr/>
+        </p:nvSpPr>
+        <p:spPr>
+          <a:xfrm rot="10800000">
+            <a:off x="1837168" y="4314288"/>
+            <a:ext cx="222794" cy="1117618"/>
+          </a:xfrm>
+          <a:prstGeom prst="rightBrace">
+            <a:avLst>
+              <a:gd name="adj1" fmla="val 74626"/>
+              <a:gd name="adj2" fmla="val 50000"/>
+            </a:avLst>
+          </a:prstGeom>
+          <a:noFill/>
+          <a:ln w="12700">
+            <a:solidFill>
+              <a:schemeClr val="tx1"/>
+            </a:solidFill>
+          </a:ln>
+        </p:spPr>
+        <p:style>
+          <a:lnRef idx="1">
+            <a:schemeClr val="accent1"/>
+          </a:lnRef>
+          <a:fillRef idx="0">
+            <a:schemeClr val="accent1"/>
+          </a:fillRef>
+          <a:effectRef idx="0">
+            <a:schemeClr val="accent1"/>
+          </a:effectRef>
+          <a:fontRef idx="minor">
+            <a:schemeClr val="tx1"/>
+          </a:fontRef>
+        </p:style>
+        <p:txBody>
+          <a:bodyPr rtlCol="0" anchor="ctr"/>
+          <a:lstStyle/>
+          <a:p>
+            <a:pPr algn="ctr"/>
+            <a:endParaRPr lang="en-CA"/>
+          </a:p>
+        </p:txBody>
+      </p:sp>
+      <p:sp>
+        <p:nvSpPr>
+          <p:cNvPr id="50" name="Rectangle 49">
+            <a:extLst>
+              <a:ext uri="{FF2B5EF4-FFF2-40B4-BE49-F238E27FC236}">
+                <a16:creationId xmlns:a16="http://schemas.microsoft.com/office/drawing/2014/main" id="{CFF4964A-2251-240B-9D99-C2D9DA4EB08E}"/>
+              </a:ext>
+            </a:extLst>
+          </p:cNvPr>
+          <p:cNvSpPr/>
+          <p:nvPr/>
+        </p:nvSpPr>
+        <p:spPr>
+          <a:xfrm>
+            <a:off x="2679126" y="4293740"/>
+            <a:ext cx="569167" cy="569167"/>
+          </a:xfrm>
+          <a:prstGeom prst="rect">
+            <a:avLst/>
+          </a:prstGeom>
+          <a:solidFill>
+            <a:srgbClr val="00B050"/>
+          </a:solidFill>
+          <a:ln>
+            <a:solidFill>
+              <a:schemeClr val="bg1"/>
+            </a:solidFill>
+          </a:ln>
+        </p:spPr>
+        <p:style>
+          <a:lnRef idx="2">
+            <a:schemeClr val="accent1">
+              <a:shade val="15000"/>
+            </a:schemeClr>
+          </a:lnRef>
+          <a:fillRef idx="1">
+            <a:schemeClr val="accent1"/>
+          </a:fillRef>
+          <a:effectRef idx="0">
+            <a:schemeClr val="accent1"/>
+          </a:effectRef>
+          <a:fontRef idx="minor">
+            <a:schemeClr val="lt1"/>
+          </a:fontRef>
+        </p:style>
+        <p:txBody>
+          <a:bodyPr rtlCol="0" anchor="ctr"/>
+          <a:lstStyle/>
+          <a:p>
+            <a:pPr algn="ctr"/>
+            <a:r>
+              <a:rPr lang="fr-CA" sz="900" dirty="0">
+                <a:solidFill>
+                  <a:schemeClr val="bg1"/>
+                </a:solidFill>
+              </a:rPr>
+              <a:t>P1L2T1</a:t>
+            </a:r>
+            <a:endParaRPr lang="en-CA" sz="900" dirty="0">
+              <a:solidFill>
+                <a:schemeClr val="bg1"/>
+              </a:solidFill>
+            </a:endParaRPr>
+          </a:p>
+        </p:txBody>
+      </p:sp>
+      <p:sp>
+        <p:nvSpPr>
+          <p:cNvPr id="51" name="Rectangle 50">
+            <a:extLst>
+              <a:ext uri="{FF2B5EF4-FFF2-40B4-BE49-F238E27FC236}">
+                <a16:creationId xmlns:a16="http://schemas.microsoft.com/office/drawing/2014/main" id="{ECA4C70B-689B-EDD3-304B-59ED11C4EBBE}"/>
+              </a:ext>
+            </a:extLst>
+          </p:cNvPr>
+          <p:cNvSpPr/>
+          <p:nvPr/>
+        </p:nvSpPr>
+        <p:spPr>
+          <a:xfrm>
+            <a:off x="2679127" y="4863075"/>
+            <a:ext cx="569167" cy="569167"/>
+          </a:xfrm>
+          <a:prstGeom prst="rect">
+            <a:avLst/>
+          </a:prstGeom>
+          <a:solidFill>
+            <a:srgbClr val="00B050"/>
+          </a:solidFill>
+          <a:ln>
+            <a:solidFill>
+              <a:schemeClr val="bg1"/>
+            </a:solidFill>
+          </a:ln>
+        </p:spPr>
+        <p:style>
+          <a:lnRef idx="2">
+            <a:schemeClr val="accent1">
+              <a:shade val="15000"/>
+            </a:schemeClr>
+          </a:lnRef>
+          <a:fillRef idx="1">
+            <a:schemeClr val="accent1"/>
+          </a:fillRef>
+          <a:effectRef idx="0">
+            <a:schemeClr val="accent1"/>
+          </a:effectRef>
+          <a:fontRef idx="minor">
+            <a:schemeClr val="lt1"/>
+          </a:fontRef>
+        </p:style>
+        <p:txBody>
+          <a:bodyPr rtlCol="0" anchor="ctr"/>
+          <a:lstStyle/>
+          <a:p>
+            <a:pPr algn="ctr"/>
+            <a:r>
+              <a:rPr lang="fr-CA" sz="900" dirty="0">
+                <a:solidFill>
+                  <a:schemeClr val="bg1"/>
+                </a:solidFill>
+              </a:rPr>
+              <a:t>P2L2T1</a:t>
+            </a:r>
+            <a:endParaRPr lang="en-CA" sz="900" dirty="0">
+              <a:solidFill>
+                <a:schemeClr val="bg1"/>
+              </a:solidFill>
+            </a:endParaRPr>
+          </a:p>
+        </p:txBody>
+      </p:sp>
+      <p:sp>
+        <p:nvSpPr>
+          <p:cNvPr id="52" name="Rectangle 51">
+            <a:extLst>
+              <a:ext uri="{FF2B5EF4-FFF2-40B4-BE49-F238E27FC236}">
+                <a16:creationId xmlns:a16="http://schemas.microsoft.com/office/drawing/2014/main" id="{C7C637F4-2425-DDF4-0860-16AA634A9502}"/>
+              </a:ext>
+            </a:extLst>
+          </p:cNvPr>
+          <p:cNvSpPr/>
+          <p:nvPr/>
+        </p:nvSpPr>
+        <p:spPr>
+          <a:xfrm>
+            <a:off x="3811823" y="4293740"/>
+            <a:ext cx="569167" cy="569167"/>
+          </a:xfrm>
+          <a:prstGeom prst="rect">
+            <a:avLst/>
+          </a:prstGeom>
+          <a:solidFill>
+            <a:srgbClr val="00B050"/>
+          </a:solidFill>
+          <a:ln>
+            <a:solidFill>
+              <a:schemeClr val="bg1"/>
+            </a:solidFill>
+          </a:ln>
+        </p:spPr>
+        <p:style>
+          <a:lnRef idx="2">
+            <a:schemeClr val="accent1">
+              <a:shade val="15000"/>
+            </a:schemeClr>
+          </a:lnRef>
+          <a:fillRef idx="1">
+            <a:schemeClr val="accent1"/>
+          </a:fillRef>
+          <a:effectRef idx="0">
+            <a:schemeClr val="accent1"/>
+          </a:effectRef>
+          <a:fontRef idx="minor">
+            <a:schemeClr val="lt1"/>
+          </a:fontRef>
+        </p:style>
+        <p:txBody>
+          <a:bodyPr rtlCol="0" anchor="ctr"/>
+          <a:lstStyle/>
+          <a:p>
+            <a:pPr algn="ctr"/>
+            <a:r>
+              <a:rPr lang="fr-CA" sz="900" dirty="0">
+                <a:solidFill>
+                  <a:schemeClr val="bg1"/>
+                </a:solidFill>
+              </a:rPr>
+              <a:t>P1L4T1</a:t>
+            </a:r>
+            <a:endParaRPr lang="en-CA" sz="900" dirty="0">
+              <a:solidFill>
+                <a:schemeClr val="bg1"/>
+              </a:solidFill>
+            </a:endParaRPr>
+          </a:p>
+        </p:txBody>
+      </p:sp>
+      <p:sp>
+        <p:nvSpPr>
+          <p:cNvPr id="53" name="Rectangle 52">
+            <a:extLst>
+              <a:ext uri="{FF2B5EF4-FFF2-40B4-BE49-F238E27FC236}">
+                <a16:creationId xmlns:a16="http://schemas.microsoft.com/office/drawing/2014/main" id="{AB674FC5-5EDE-0312-1D45-EC4A1D7BE892}"/>
+              </a:ext>
+            </a:extLst>
+          </p:cNvPr>
+          <p:cNvSpPr/>
+          <p:nvPr/>
+        </p:nvSpPr>
+        <p:spPr>
+          <a:xfrm>
+            <a:off x="3242656" y="4862739"/>
+            <a:ext cx="569167" cy="569167"/>
+          </a:xfrm>
+          <a:prstGeom prst="rect">
+            <a:avLst/>
+          </a:prstGeom>
+          <a:solidFill>
+            <a:srgbClr val="00B050"/>
+          </a:solidFill>
+          <a:ln>
+            <a:solidFill>
+              <a:schemeClr val="bg1"/>
+            </a:solidFill>
+          </a:ln>
+        </p:spPr>
+        <p:style>
+          <a:lnRef idx="2">
+            <a:schemeClr val="accent1">
+              <a:shade val="15000"/>
+            </a:schemeClr>
+          </a:lnRef>
+          <a:fillRef idx="1">
+            <a:schemeClr val="accent1"/>
+          </a:fillRef>
+          <a:effectRef idx="0">
+            <a:schemeClr val="accent1"/>
+          </a:effectRef>
+          <a:fontRef idx="minor">
+            <a:schemeClr val="lt1"/>
+          </a:fontRef>
+        </p:style>
+        <p:txBody>
+          <a:bodyPr rtlCol="0" anchor="ctr"/>
+          <a:lstStyle/>
+          <a:p>
+            <a:pPr algn="ctr"/>
+            <a:r>
+              <a:rPr lang="fr-CA" sz="900" dirty="0">
+                <a:solidFill>
+                  <a:schemeClr val="bg1"/>
+                </a:solidFill>
+              </a:rPr>
+              <a:t>P2L3T1</a:t>
+            </a:r>
+            <a:endParaRPr lang="en-CA" sz="900" dirty="0">
+              <a:solidFill>
+                <a:schemeClr val="bg1"/>
+              </a:solidFill>
+            </a:endParaRPr>
+          </a:p>
+        </p:txBody>
+      </p:sp>
+      <p:sp>
+        <p:nvSpPr>
+          <p:cNvPr id="54" name="Rectangle 53">
+            <a:extLst>
+              <a:ext uri="{FF2B5EF4-FFF2-40B4-BE49-F238E27FC236}">
+                <a16:creationId xmlns:a16="http://schemas.microsoft.com/office/drawing/2014/main" id="{718EF0B4-864D-028B-F969-3D37387B18CF}"/>
+              </a:ext>
+            </a:extLst>
+          </p:cNvPr>
+          <p:cNvSpPr/>
+          <p:nvPr/>
+        </p:nvSpPr>
+        <p:spPr>
+          <a:xfrm>
+            <a:off x="3811822" y="4862739"/>
+            <a:ext cx="569167" cy="569167"/>
+          </a:xfrm>
+          <a:prstGeom prst="rect">
+            <a:avLst/>
+          </a:prstGeom>
+          <a:solidFill>
+            <a:srgbClr val="00B050"/>
+          </a:solidFill>
+          <a:ln>
+            <a:solidFill>
+              <a:schemeClr val="bg1"/>
+            </a:solidFill>
+          </a:ln>
+        </p:spPr>
+        <p:style>
+          <a:lnRef idx="2">
+            <a:schemeClr val="accent1">
+              <a:shade val="15000"/>
+            </a:schemeClr>
+          </a:lnRef>
+          <a:fillRef idx="1">
+            <a:schemeClr val="accent1"/>
+          </a:fillRef>
+          <a:effectRef idx="0">
+            <a:schemeClr val="accent1"/>
+          </a:effectRef>
+          <a:fontRef idx="minor">
+            <a:schemeClr val="lt1"/>
+          </a:fontRef>
+        </p:style>
+        <p:txBody>
+          <a:bodyPr rtlCol="0" anchor="ctr"/>
+          <a:lstStyle/>
+          <a:p>
+            <a:pPr algn="ctr"/>
+            <a:r>
+              <a:rPr lang="fr-CA" sz="900" dirty="0">
+                <a:solidFill>
+                  <a:schemeClr val="bg1"/>
+                </a:solidFill>
+              </a:rPr>
+              <a:t>P2L4T1</a:t>
+            </a:r>
+            <a:endParaRPr lang="en-CA" sz="900" dirty="0">
+              <a:solidFill>
+                <a:schemeClr val="bg1"/>
+              </a:solidFill>
+            </a:endParaRPr>
+          </a:p>
+        </p:txBody>
+      </p:sp>
+      <p:sp>
+        <p:nvSpPr>
+          <p:cNvPr id="55" name="Rectangle 54">
+            <a:extLst>
+              <a:ext uri="{FF2B5EF4-FFF2-40B4-BE49-F238E27FC236}">
+                <a16:creationId xmlns:a16="http://schemas.microsoft.com/office/drawing/2014/main" id="{AEF98AD2-9436-F606-5329-D9098B779672}"/>
+              </a:ext>
+            </a:extLst>
+          </p:cNvPr>
+          <p:cNvSpPr/>
+          <p:nvPr/>
+        </p:nvSpPr>
+        <p:spPr>
+          <a:xfrm>
+            <a:off x="4375351" y="4293740"/>
+            <a:ext cx="569167" cy="569167"/>
+          </a:xfrm>
+          <a:prstGeom prst="rect">
+            <a:avLst/>
+          </a:prstGeom>
+          <a:solidFill>
+            <a:srgbClr val="00B050"/>
+          </a:solidFill>
+          <a:ln>
+            <a:solidFill>
+              <a:schemeClr val="bg1"/>
+            </a:solidFill>
+          </a:ln>
+        </p:spPr>
+        <p:style>
+          <a:lnRef idx="2">
+            <a:schemeClr val="accent1">
+              <a:shade val="15000"/>
+            </a:schemeClr>
+          </a:lnRef>
+          <a:fillRef idx="1">
+            <a:schemeClr val="accent1"/>
+          </a:fillRef>
+          <a:effectRef idx="0">
+            <a:schemeClr val="accent1"/>
+          </a:effectRef>
+          <a:fontRef idx="minor">
+            <a:schemeClr val="lt1"/>
+          </a:fontRef>
+        </p:style>
+        <p:txBody>
+          <a:bodyPr rtlCol="0" anchor="ctr"/>
+          <a:lstStyle/>
+          <a:p>
+            <a:pPr algn="ctr"/>
+            <a:r>
+              <a:rPr lang="fr-CA" sz="900" dirty="0">
+                <a:solidFill>
+                  <a:schemeClr val="bg1"/>
+                </a:solidFill>
+              </a:rPr>
+              <a:t>P1L1T2</a:t>
+            </a:r>
+            <a:endParaRPr lang="en-CA" sz="900" dirty="0">
+              <a:solidFill>
+                <a:schemeClr val="bg1"/>
+              </a:solidFill>
+            </a:endParaRPr>
+          </a:p>
+        </p:txBody>
+      </p:sp>
+      <p:sp>
+        <p:nvSpPr>
+          <p:cNvPr id="56" name="Rectangle 55">
+            <a:extLst>
+              <a:ext uri="{FF2B5EF4-FFF2-40B4-BE49-F238E27FC236}">
+                <a16:creationId xmlns:a16="http://schemas.microsoft.com/office/drawing/2014/main" id="{EFE9B529-FDA1-1282-F8B0-6CD2391D7740}"/>
+              </a:ext>
+            </a:extLst>
+          </p:cNvPr>
+          <p:cNvSpPr/>
+          <p:nvPr/>
+        </p:nvSpPr>
+        <p:spPr>
+          <a:xfrm>
+            <a:off x="4944518" y="4293740"/>
+            <a:ext cx="569167" cy="569167"/>
+          </a:xfrm>
+          <a:prstGeom prst="rect">
+            <a:avLst/>
+          </a:prstGeom>
+          <a:solidFill>
+            <a:srgbClr val="00B050"/>
+          </a:solidFill>
+          <a:ln>
+            <a:solidFill>
+              <a:schemeClr val="bg1"/>
+            </a:solidFill>
+          </a:ln>
+        </p:spPr>
+        <p:style>
+          <a:lnRef idx="2">
+            <a:schemeClr val="accent1">
+              <a:shade val="15000"/>
+            </a:schemeClr>
+          </a:lnRef>
+          <a:fillRef idx="1">
+            <a:schemeClr val="accent1"/>
+          </a:fillRef>
+          <a:effectRef idx="0">
+            <a:schemeClr val="accent1"/>
+          </a:effectRef>
+          <a:fontRef idx="minor">
+            <a:schemeClr val="lt1"/>
+          </a:fontRef>
+        </p:style>
+        <p:txBody>
+          <a:bodyPr rtlCol="0" anchor="ctr"/>
+          <a:lstStyle/>
+          <a:p>
+            <a:pPr algn="ctr"/>
+            <a:r>
+              <a:rPr lang="fr-CA" sz="900" dirty="0">
+                <a:solidFill>
+                  <a:schemeClr val="bg1"/>
+                </a:solidFill>
+              </a:rPr>
+              <a:t>P1L2T2</a:t>
+            </a:r>
+            <a:endParaRPr lang="en-CA" sz="900" dirty="0">
+              <a:solidFill>
+                <a:schemeClr val="bg1"/>
+              </a:solidFill>
+            </a:endParaRPr>
+          </a:p>
+        </p:txBody>
+      </p:sp>
+      <p:sp>
+        <p:nvSpPr>
+          <p:cNvPr id="57" name="Rectangle 56">
+            <a:extLst>
+              <a:ext uri="{FF2B5EF4-FFF2-40B4-BE49-F238E27FC236}">
+                <a16:creationId xmlns:a16="http://schemas.microsoft.com/office/drawing/2014/main" id="{641B205A-E201-99A7-6771-39C93EDD6BAC}"/>
+              </a:ext>
+            </a:extLst>
+          </p:cNvPr>
+          <p:cNvSpPr/>
+          <p:nvPr/>
+        </p:nvSpPr>
+        <p:spPr>
+          <a:xfrm>
+            <a:off x="4375351" y="4862739"/>
+            <a:ext cx="569167" cy="569167"/>
+          </a:xfrm>
+          <a:prstGeom prst="rect">
+            <a:avLst/>
+          </a:prstGeom>
+          <a:solidFill>
+            <a:srgbClr val="00B050"/>
+          </a:solidFill>
+          <a:ln>
+            <a:solidFill>
+              <a:schemeClr val="bg1"/>
+            </a:solidFill>
+          </a:ln>
+        </p:spPr>
+        <p:style>
+          <a:lnRef idx="2">
+            <a:schemeClr val="accent1">
+              <a:shade val="15000"/>
+            </a:schemeClr>
+          </a:lnRef>
+          <a:fillRef idx="1">
+            <a:schemeClr val="accent1"/>
+          </a:fillRef>
+          <a:effectRef idx="0">
+            <a:schemeClr val="accent1"/>
+          </a:effectRef>
+          <a:fontRef idx="minor">
+            <a:schemeClr val="lt1"/>
+          </a:fontRef>
+        </p:style>
+        <p:txBody>
+          <a:bodyPr rtlCol="0" anchor="ctr"/>
+          <a:lstStyle/>
+          <a:p>
+            <a:pPr algn="ctr"/>
+            <a:r>
+              <a:rPr lang="fr-CA" sz="900" dirty="0">
+                <a:solidFill>
+                  <a:schemeClr val="bg1"/>
+                </a:solidFill>
+              </a:rPr>
+              <a:t>P2L1T2</a:t>
+            </a:r>
+            <a:endParaRPr lang="en-CA" sz="900" dirty="0">
+              <a:solidFill>
+                <a:schemeClr val="bg1"/>
+              </a:solidFill>
+            </a:endParaRPr>
+          </a:p>
+        </p:txBody>
+      </p:sp>
+      <p:sp>
+        <p:nvSpPr>
+          <p:cNvPr id="58" name="Rectangle 57">
+            <a:extLst>
+              <a:ext uri="{FF2B5EF4-FFF2-40B4-BE49-F238E27FC236}">
+                <a16:creationId xmlns:a16="http://schemas.microsoft.com/office/drawing/2014/main" id="{F2FBA934-5817-723C-25FF-AB8FA0B4EB87}"/>
+              </a:ext>
+            </a:extLst>
+          </p:cNvPr>
+          <p:cNvSpPr/>
+          <p:nvPr/>
+        </p:nvSpPr>
+        <p:spPr>
+          <a:xfrm>
+            <a:off x="4944517" y="4862739"/>
+            <a:ext cx="569167" cy="569167"/>
+          </a:xfrm>
+          <a:prstGeom prst="rect">
+            <a:avLst/>
+          </a:prstGeom>
+          <a:solidFill>
+            <a:srgbClr val="00B050"/>
+          </a:solidFill>
+          <a:ln>
+            <a:solidFill>
+              <a:schemeClr val="bg1"/>
+            </a:solidFill>
+          </a:ln>
+        </p:spPr>
+        <p:style>
+          <a:lnRef idx="2">
+            <a:schemeClr val="accent1">
+              <a:shade val="15000"/>
+            </a:schemeClr>
+          </a:lnRef>
+          <a:fillRef idx="1">
+            <a:schemeClr val="accent1"/>
+          </a:fillRef>
+          <a:effectRef idx="0">
+            <a:schemeClr val="accent1"/>
+          </a:effectRef>
+          <a:fontRef idx="minor">
+            <a:schemeClr val="lt1"/>
+          </a:fontRef>
+        </p:style>
+        <p:txBody>
+          <a:bodyPr rtlCol="0" anchor="ctr"/>
+          <a:lstStyle/>
+          <a:p>
+            <a:pPr algn="ctr"/>
+            <a:r>
+              <a:rPr lang="fr-CA" sz="900" dirty="0">
+                <a:solidFill>
+                  <a:schemeClr val="bg1"/>
+                </a:solidFill>
+              </a:rPr>
+              <a:t>P2L2T2</a:t>
+            </a:r>
+            <a:endParaRPr lang="en-CA" sz="900" dirty="0">
+              <a:solidFill>
+                <a:schemeClr val="bg1"/>
+              </a:solidFill>
+            </a:endParaRPr>
+          </a:p>
+        </p:txBody>
+      </p:sp>
+      <p:sp>
+        <p:nvSpPr>
+          <p:cNvPr id="59" name="Right Brace 58">
+            <a:extLst>
+              <a:ext uri="{FF2B5EF4-FFF2-40B4-BE49-F238E27FC236}">
+                <a16:creationId xmlns:a16="http://schemas.microsoft.com/office/drawing/2014/main" id="{1D95F38A-E61A-53C2-049A-BE01C2FC4C84}"/>
+              </a:ext>
+            </a:extLst>
+          </p:cNvPr>
+          <p:cNvSpPr/>
+          <p:nvPr/>
+        </p:nvSpPr>
+        <p:spPr>
+          <a:xfrm rot="16200000">
+            <a:off x="3147876" y="3065929"/>
+            <a:ext cx="202232" cy="2252722"/>
+          </a:xfrm>
+          <a:prstGeom prst="rightBrace">
+            <a:avLst>
+              <a:gd name="adj1" fmla="val 74626"/>
+              <a:gd name="adj2" fmla="val 50000"/>
+            </a:avLst>
+          </a:prstGeom>
+          <a:noFill/>
+          <a:ln w="12700">
+            <a:solidFill>
+              <a:schemeClr val="tx1"/>
+            </a:solidFill>
+          </a:ln>
+        </p:spPr>
+        <p:style>
+          <a:lnRef idx="1">
+            <a:schemeClr val="accent1"/>
+          </a:lnRef>
+          <a:fillRef idx="0">
+            <a:schemeClr val="accent1"/>
+          </a:fillRef>
+          <a:effectRef idx="0">
+            <a:schemeClr val="accent1"/>
+          </a:effectRef>
+          <a:fontRef idx="minor">
+            <a:schemeClr val="tx1"/>
+          </a:fontRef>
+        </p:style>
+        <p:txBody>
+          <a:bodyPr rtlCol="0" anchor="ctr"/>
+          <a:lstStyle/>
+          <a:p>
+            <a:pPr algn="ctr"/>
+            <a:endParaRPr lang="en-CA"/>
+          </a:p>
+        </p:txBody>
+      </p:sp>
+      <p:sp>
+        <p:nvSpPr>
+          <p:cNvPr id="60" name="Right Brace 59">
+            <a:extLst>
+              <a:ext uri="{FF2B5EF4-FFF2-40B4-BE49-F238E27FC236}">
+                <a16:creationId xmlns:a16="http://schemas.microsoft.com/office/drawing/2014/main" id="{575232A3-B104-3C9D-C9A0-7FB894C9848C}"/>
+              </a:ext>
+            </a:extLst>
+          </p:cNvPr>
+          <p:cNvSpPr/>
+          <p:nvPr/>
+        </p:nvSpPr>
+        <p:spPr>
+          <a:xfrm>
+            <a:off x="5571265" y="1494862"/>
+            <a:ext cx="202120" cy="548116"/>
+          </a:xfrm>
+          <a:prstGeom prst="rightBrace">
+            <a:avLst>
+              <a:gd name="adj1" fmla="val 74626"/>
+              <a:gd name="adj2" fmla="val 50000"/>
+            </a:avLst>
+          </a:prstGeom>
+          <a:noFill/>
+          <a:ln w="12700">
+            <a:solidFill>
+              <a:schemeClr val="tx1"/>
+            </a:solidFill>
+          </a:ln>
+        </p:spPr>
+        <p:style>
+          <a:lnRef idx="1">
+            <a:schemeClr val="accent1"/>
+          </a:lnRef>
+          <a:fillRef idx="0">
+            <a:schemeClr val="accent1"/>
+          </a:fillRef>
+          <a:effectRef idx="0">
+            <a:schemeClr val="accent1"/>
+          </a:effectRef>
+          <a:fontRef idx="minor">
+            <a:schemeClr val="tx1"/>
+          </a:fontRef>
+        </p:style>
+        <p:txBody>
+          <a:bodyPr rtlCol="0" anchor="ctr"/>
+          <a:lstStyle/>
+          <a:p>
+            <a:pPr algn="ctr"/>
+            <a:endParaRPr lang="en-CA"/>
+          </a:p>
+        </p:txBody>
+      </p:sp>
+      <p:sp>
+        <p:nvSpPr>
+          <p:cNvPr id="61" name="TextBox 60">
+            <a:extLst>
+              <a:ext uri="{FF2B5EF4-FFF2-40B4-BE49-F238E27FC236}">
+                <a16:creationId xmlns:a16="http://schemas.microsoft.com/office/drawing/2014/main" id="{1AF2BBE7-CD2B-E9D5-429C-805F06027FF5}"/>
+              </a:ext>
+            </a:extLst>
+          </p:cNvPr>
+          <p:cNvSpPr txBox="1"/>
+          <p:nvPr/>
+        </p:nvSpPr>
+        <p:spPr>
+          <a:xfrm>
+            <a:off x="2195678" y="1026440"/>
+            <a:ext cx="1551214" cy="276999"/>
+          </a:xfrm>
+          <a:prstGeom prst="rect">
+            <a:avLst/>
+          </a:prstGeom>
+          <a:noFill/>
+        </p:spPr>
+        <p:txBody>
+          <a:bodyPr wrap="square" rtlCol="0">
+            <a:spAutoFit/>
+          </a:bodyPr>
+          <a:lstStyle/>
+          <a:p>
+            <a:pPr algn="ctr"/>
+            <a:r>
+              <a:rPr lang="fr-CA" sz="1200" dirty="0" err="1"/>
+              <a:t>Tree</a:t>
+            </a:r>
+            <a:r>
+              <a:rPr lang="fr-CA" sz="1200" dirty="0"/>
+              <a:t> 1</a:t>
+            </a:r>
+            <a:endParaRPr lang="en-CA" sz="1200" dirty="0"/>
+          </a:p>
+        </p:txBody>
+      </p:sp>
+      <p:sp>
+        <p:nvSpPr>
+          <p:cNvPr id="62" name="TextBox 61">
+            <a:extLst>
+              <a:ext uri="{FF2B5EF4-FFF2-40B4-BE49-F238E27FC236}">
+                <a16:creationId xmlns:a16="http://schemas.microsoft.com/office/drawing/2014/main" id="{81EAF444-B23A-AB8E-5F16-1B4B9B95E986}"/>
+              </a:ext>
+            </a:extLst>
+          </p:cNvPr>
+          <p:cNvSpPr txBox="1"/>
+          <p:nvPr/>
+        </p:nvSpPr>
+        <p:spPr>
+          <a:xfrm rot="16200000">
+            <a:off x="1032126" y="1856763"/>
+            <a:ext cx="1389572" cy="276999"/>
+          </a:xfrm>
+          <a:prstGeom prst="rect">
+            <a:avLst/>
+          </a:prstGeom>
+          <a:noFill/>
+        </p:spPr>
+        <p:txBody>
+          <a:bodyPr wrap="square" rtlCol="0">
+            <a:spAutoFit/>
+          </a:bodyPr>
+          <a:lstStyle/>
+          <a:p>
+            <a:pPr algn="ctr"/>
+            <a:r>
+              <a:rPr lang="fr-CA" sz="1200" dirty="0"/>
+              <a:t>Node </a:t>
+            </a:r>
+            <a:r>
+              <a:rPr lang="fr-CA" sz="1200" dirty="0" err="1"/>
+              <a:t>Weights</a:t>
+            </a:r>
+            <a:endParaRPr lang="en-CA" sz="1200" dirty="0"/>
+          </a:p>
+        </p:txBody>
+      </p:sp>
+      <p:sp>
+        <p:nvSpPr>
+          <p:cNvPr id="63" name="TextBox 62">
+            <a:extLst>
+              <a:ext uri="{FF2B5EF4-FFF2-40B4-BE49-F238E27FC236}">
+                <a16:creationId xmlns:a16="http://schemas.microsoft.com/office/drawing/2014/main" id="{801ACB03-4810-E20C-CB56-2DE26C034A35}"/>
+              </a:ext>
+            </a:extLst>
+          </p:cNvPr>
+          <p:cNvSpPr txBox="1"/>
+          <p:nvPr/>
+        </p:nvSpPr>
+        <p:spPr>
+          <a:xfrm rot="16200000">
+            <a:off x="1182722" y="3290500"/>
+            <a:ext cx="1088382" cy="276999"/>
+          </a:xfrm>
+          <a:prstGeom prst="rect">
+            <a:avLst/>
+          </a:prstGeom>
+          <a:noFill/>
+        </p:spPr>
+        <p:txBody>
+          <a:bodyPr wrap="square" rtlCol="0">
+            <a:spAutoFit/>
+          </a:bodyPr>
+          <a:lstStyle/>
+          <a:p>
+            <a:pPr algn="ctr"/>
+            <a:r>
+              <a:rPr lang="fr-CA" sz="1200" dirty="0"/>
+              <a:t>Node </a:t>
+            </a:r>
+            <a:r>
+              <a:rPr lang="fr-CA" sz="1200" dirty="0" err="1"/>
+              <a:t>Biases</a:t>
+            </a:r>
+            <a:endParaRPr lang="en-CA" sz="1200" dirty="0"/>
+          </a:p>
+        </p:txBody>
+      </p:sp>
+      <p:sp>
+        <p:nvSpPr>
+          <p:cNvPr id="64" name="TextBox 63">
+            <a:extLst>
+              <a:ext uri="{FF2B5EF4-FFF2-40B4-BE49-F238E27FC236}">
+                <a16:creationId xmlns:a16="http://schemas.microsoft.com/office/drawing/2014/main" id="{5424051E-FA7C-80F3-1829-3906FC20D9F6}"/>
+              </a:ext>
+            </a:extLst>
+          </p:cNvPr>
+          <p:cNvSpPr txBox="1"/>
+          <p:nvPr/>
+        </p:nvSpPr>
+        <p:spPr>
+          <a:xfrm rot="16200000">
+            <a:off x="1032126" y="4724239"/>
+            <a:ext cx="1389571" cy="276999"/>
+          </a:xfrm>
+          <a:prstGeom prst="rect">
+            <a:avLst/>
+          </a:prstGeom>
+          <a:noFill/>
+        </p:spPr>
+        <p:txBody>
+          <a:bodyPr wrap="square" rtlCol="0">
+            <a:spAutoFit/>
+          </a:bodyPr>
+          <a:lstStyle/>
+          <a:p>
+            <a:pPr algn="ctr"/>
+            <a:r>
+              <a:rPr lang="fr-CA" sz="1200" dirty="0" err="1"/>
+              <a:t>Leaf</a:t>
+            </a:r>
+            <a:r>
+              <a:rPr lang="fr-CA" sz="1200" dirty="0"/>
+              <a:t> </a:t>
+            </a:r>
+            <a:r>
+              <a:rPr lang="fr-CA" sz="1200" dirty="0" err="1"/>
+              <a:t>Predictions</a:t>
+            </a:r>
+            <a:endParaRPr lang="en-CA" sz="1200" dirty="0"/>
+          </a:p>
+        </p:txBody>
+      </p:sp>
+      <p:sp>
+        <p:nvSpPr>
+          <p:cNvPr id="65" name="Rectangle 64">
+            <a:extLst>
+              <a:ext uri="{FF2B5EF4-FFF2-40B4-BE49-F238E27FC236}">
+                <a16:creationId xmlns:a16="http://schemas.microsoft.com/office/drawing/2014/main" id="{F282A9B4-E5B5-044F-F485-3C9DBC457695}"/>
+              </a:ext>
+            </a:extLst>
+          </p:cNvPr>
+          <p:cNvSpPr/>
+          <p:nvPr/>
+        </p:nvSpPr>
+        <p:spPr>
+          <a:xfrm>
+            <a:off x="5508045" y="4293740"/>
+            <a:ext cx="569167" cy="569167"/>
+          </a:xfrm>
+          <a:prstGeom prst="rect">
+            <a:avLst/>
+          </a:prstGeom>
+          <a:solidFill>
+            <a:srgbClr val="00B050"/>
+          </a:solidFill>
+          <a:ln>
+            <a:solidFill>
+              <a:schemeClr val="bg1"/>
+            </a:solidFill>
+          </a:ln>
+        </p:spPr>
+        <p:style>
+          <a:lnRef idx="2">
+            <a:schemeClr val="accent1">
+              <a:shade val="15000"/>
+            </a:schemeClr>
+          </a:lnRef>
+          <a:fillRef idx="1">
+            <a:schemeClr val="accent1"/>
+          </a:fillRef>
+          <a:effectRef idx="0">
+            <a:schemeClr val="accent1"/>
+          </a:effectRef>
+          <a:fontRef idx="minor">
+            <a:schemeClr val="lt1"/>
+          </a:fontRef>
+        </p:style>
+        <p:txBody>
+          <a:bodyPr rtlCol="0" anchor="ctr"/>
+          <a:lstStyle/>
+          <a:p>
+            <a:pPr algn="ctr"/>
+            <a:r>
+              <a:rPr lang="fr-CA" sz="900" dirty="0">
+                <a:solidFill>
+                  <a:schemeClr val="bg1"/>
+                </a:solidFill>
+              </a:rPr>
+              <a:t>P1L3T2</a:t>
+            </a:r>
+            <a:endParaRPr lang="en-CA" sz="900" dirty="0">
+              <a:solidFill>
+                <a:schemeClr val="bg1"/>
+              </a:solidFill>
+            </a:endParaRPr>
+          </a:p>
+        </p:txBody>
+      </p:sp>
+      <p:sp>
+        <p:nvSpPr>
+          <p:cNvPr id="66" name="Rectangle 65">
+            <a:extLst>
+              <a:ext uri="{FF2B5EF4-FFF2-40B4-BE49-F238E27FC236}">
+                <a16:creationId xmlns:a16="http://schemas.microsoft.com/office/drawing/2014/main" id="{76004942-338E-EF74-F77E-847740F4FC5D}"/>
+              </a:ext>
+            </a:extLst>
+          </p:cNvPr>
+          <p:cNvSpPr/>
+          <p:nvPr/>
+        </p:nvSpPr>
+        <p:spPr>
+          <a:xfrm>
+            <a:off x="6077212" y="4293740"/>
+            <a:ext cx="569167" cy="569167"/>
+          </a:xfrm>
+          <a:prstGeom prst="rect">
+            <a:avLst/>
+          </a:prstGeom>
+          <a:solidFill>
+            <a:srgbClr val="00B050"/>
+          </a:solidFill>
+          <a:ln>
+            <a:solidFill>
+              <a:schemeClr val="bg1"/>
+            </a:solidFill>
+          </a:ln>
+        </p:spPr>
+        <p:style>
+          <a:lnRef idx="2">
+            <a:schemeClr val="accent1">
+              <a:shade val="15000"/>
+            </a:schemeClr>
+          </a:lnRef>
+          <a:fillRef idx="1">
+            <a:schemeClr val="accent1"/>
+          </a:fillRef>
+          <a:effectRef idx="0">
+            <a:schemeClr val="accent1"/>
+          </a:effectRef>
+          <a:fontRef idx="minor">
+            <a:schemeClr val="lt1"/>
+          </a:fontRef>
+        </p:style>
+        <p:txBody>
+          <a:bodyPr rtlCol="0" anchor="ctr"/>
+          <a:lstStyle/>
+          <a:p>
+            <a:pPr algn="ctr"/>
+            <a:r>
+              <a:rPr lang="fr-CA" sz="900" dirty="0">
+                <a:solidFill>
+                  <a:schemeClr val="bg1"/>
+                </a:solidFill>
+              </a:rPr>
+              <a:t>P1L4T2</a:t>
+            </a:r>
+            <a:endParaRPr lang="en-CA" sz="900" dirty="0">
+              <a:solidFill>
+                <a:schemeClr val="bg1"/>
+              </a:solidFill>
+            </a:endParaRPr>
+          </a:p>
+        </p:txBody>
+      </p:sp>
+      <p:sp>
+        <p:nvSpPr>
+          <p:cNvPr id="67" name="Rectangle 66">
+            <a:extLst>
+              <a:ext uri="{FF2B5EF4-FFF2-40B4-BE49-F238E27FC236}">
+                <a16:creationId xmlns:a16="http://schemas.microsoft.com/office/drawing/2014/main" id="{EEC8B2AA-3CBE-A0D0-11C5-EF203C6C445A}"/>
+              </a:ext>
+            </a:extLst>
+          </p:cNvPr>
+          <p:cNvSpPr/>
+          <p:nvPr/>
+        </p:nvSpPr>
+        <p:spPr>
+          <a:xfrm>
+            <a:off x="5508045" y="4862739"/>
+            <a:ext cx="569167" cy="569167"/>
+          </a:xfrm>
+          <a:prstGeom prst="rect">
+            <a:avLst/>
+          </a:prstGeom>
+          <a:solidFill>
+            <a:srgbClr val="00B050"/>
+          </a:solidFill>
+          <a:ln>
+            <a:solidFill>
+              <a:schemeClr val="bg1"/>
+            </a:solidFill>
+          </a:ln>
+        </p:spPr>
+        <p:style>
+          <a:lnRef idx="2">
+            <a:schemeClr val="accent1">
+              <a:shade val="15000"/>
+            </a:schemeClr>
+          </a:lnRef>
+          <a:fillRef idx="1">
+            <a:schemeClr val="accent1"/>
+          </a:fillRef>
+          <a:effectRef idx="0">
+            <a:schemeClr val="accent1"/>
+          </a:effectRef>
+          <a:fontRef idx="minor">
+            <a:schemeClr val="lt1"/>
+          </a:fontRef>
+        </p:style>
+        <p:txBody>
+          <a:bodyPr rtlCol="0" anchor="ctr"/>
+          <a:lstStyle/>
+          <a:p>
+            <a:pPr algn="ctr"/>
+            <a:r>
+              <a:rPr lang="fr-CA" sz="900" dirty="0">
+                <a:solidFill>
+                  <a:schemeClr val="bg1"/>
+                </a:solidFill>
+              </a:rPr>
+              <a:t>P2L3T2</a:t>
+            </a:r>
+            <a:endParaRPr lang="en-CA" sz="900" dirty="0">
+              <a:solidFill>
+                <a:schemeClr val="bg1"/>
+              </a:solidFill>
+            </a:endParaRPr>
+          </a:p>
+        </p:txBody>
+      </p:sp>
+      <p:sp>
+        <p:nvSpPr>
+          <p:cNvPr id="68" name="Rectangle 67">
+            <a:extLst>
+              <a:ext uri="{FF2B5EF4-FFF2-40B4-BE49-F238E27FC236}">
+                <a16:creationId xmlns:a16="http://schemas.microsoft.com/office/drawing/2014/main" id="{F21EA377-DD5F-14E9-3506-AF416D17FA42}"/>
+              </a:ext>
+            </a:extLst>
+          </p:cNvPr>
+          <p:cNvSpPr/>
+          <p:nvPr/>
+        </p:nvSpPr>
+        <p:spPr>
+          <a:xfrm>
+            <a:off x="6077211" y="4862739"/>
+            <a:ext cx="569167" cy="569167"/>
+          </a:xfrm>
+          <a:prstGeom prst="rect">
+            <a:avLst/>
+          </a:prstGeom>
+          <a:solidFill>
+            <a:srgbClr val="00B050"/>
+          </a:solidFill>
+          <a:ln>
+            <a:solidFill>
+              <a:schemeClr val="bg1"/>
+            </a:solidFill>
+          </a:ln>
+        </p:spPr>
+        <p:style>
+          <a:lnRef idx="2">
+            <a:schemeClr val="accent1">
+              <a:shade val="15000"/>
+            </a:schemeClr>
+          </a:lnRef>
+          <a:fillRef idx="1">
+            <a:schemeClr val="accent1"/>
+          </a:fillRef>
+          <a:effectRef idx="0">
+            <a:schemeClr val="accent1"/>
+          </a:effectRef>
+          <a:fontRef idx="minor">
+            <a:schemeClr val="lt1"/>
+          </a:fontRef>
+        </p:style>
+        <p:txBody>
+          <a:bodyPr rtlCol="0" anchor="ctr"/>
+          <a:lstStyle/>
+          <a:p>
+            <a:pPr algn="ctr"/>
+            <a:r>
+              <a:rPr lang="fr-CA" sz="900" dirty="0">
+                <a:solidFill>
+                  <a:schemeClr val="bg1"/>
+                </a:solidFill>
+              </a:rPr>
+              <a:t>P2L4T2</a:t>
+            </a:r>
+            <a:endParaRPr lang="en-CA" sz="900" dirty="0">
+              <a:solidFill>
+                <a:schemeClr val="bg1"/>
+              </a:solidFill>
+            </a:endParaRPr>
+          </a:p>
+        </p:txBody>
+      </p:sp>
+      <p:sp>
+        <p:nvSpPr>
+          <p:cNvPr id="69" name="TextBox 68">
+            <a:extLst>
+              <a:ext uri="{FF2B5EF4-FFF2-40B4-BE49-F238E27FC236}">
+                <a16:creationId xmlns:a16="http://schemas.microsoft.com/office/drawing/2014/main" id="{6C528615-268C-0342-B655-A12663ED07B3}"/>
+              </a:ext>
+            </a:extLst>
+          </p:cNvPr>
+          <p:cNvSpPr txBox="1"/>
+          <p:nvPr/>
+        </p:nvSpPr>
+        <p:spPr>
+          <a:xfrm rot="5400000">
+            <a:off x="5485986" y="1625576"/>
+            <a:ext cx="851795" cy="276999"/>
+          </a:xfrm>
+          <a:prstGeom prst="rect">
+            <a:avLst/>
+          </a:prstGeom>
+          <a:noFill/>
+        </p:spPr>
+        <p:txBody>
+          <a:bodyPr wrap="square" rtlCol="0">
+            <a:spAutoFit/>
+          </a:bodyPr>
+          <a:lstStyle/>
+          <a:p>
+            <a:pPr algn="ctr"/>
+            <a:r>
+              <a:rPr lang="fr-CA" sz="1200" dirty="0" err="1"/>
+              <a:t>Feature</a:t>
+            </a:r>
+            <a:r>
+              <a:rPr lang="fr-CA" sz="1200" dirty="0"/>
+              <a:t> 1</a:t>
+            </a:r>
+            <a:endParaRPr lang="en-CA" sz="1200" dirty="0"/>
+          </a:p>
+        </p:txBody>
+      </p:sp>
+      <p:sp>
+        <p:nvSpPr>
+          <p:cNvPr id="71" name="Right Brace 70">
+            <a:extLst>
+              <a:ext uri="{FF2B5EF4-FFF2-40B4-BE49-F238E27FC236}">
+                <a16:creationId xmlns:a16="http://schemas.microsoft.com/office/drawing/2014/main" id="{01235B3B-5457-880E-ACCF-E13F3EAAFDA8}"/>
+              </a:ext>
+            </a:extLst>
+          </p:cNvPr>
+          <p:cNvSpPr/>
+          <p:nvPr/>
+        </p:nvSpPr>
+        <p:spPr>
+          <a:xfrm rot="16200000">
+            <a:off x="2870171" y="2228489"/>
+            <a:ext cx="202228" cy="1697307"/>
+          </a:xfrm>
+          <a:prstGeom prst="rightBrace">
+            <a:avLst>
+              <a:gd name="adj1" fmla="val 74626"/>
+              <a:gd name="adj2" fmla="val 50000"/>
+            </a:avLst>
+          </a:prstGeom>
+          <a:noFill/>
+          <a:ln w="12700">
+            <a:solidFill>
+              <a:schemeClr val="tx1"/>
+            </a:solidFill>
+          </a:ln>
+        </p:spPr>
+        <p:style>
+          <a:lnRef idx="1">
+            <a:schemeClr val="accent1"/>
+          </a:lnRef>
+          <a:fillRef idx="0">
+            <a:schemeClr val="accent1"/>
+          </a:fillRef>
+          <a:effectRef idx="0">
+            <a:schemeClr val="accent1"/>
+          </a:effectRef>
+          <a:fontRef idx="minor">
+            <a:schemeClr val="tx1"/>
+          </a:fontRef>
+        </p:style>
+        <p:txBody>
+          <a:bodyPr rtlCol="0" anchor="ctr"/>
+          <a:lstStyle/>
+          <a:p>
+            <a:pPr algn="ctr"/>
+            <a:endParaRPr lang="en-CA"/>
+          </a:p>
+        </p:txBody>
+      </p:sp>
+      <p:sp>
+        <p:nvSpPr>
+          <p:cNvPr id="72" name="TextBox 71">
+            <a:extLst>
+              <a:ext uri="{FF2B5EF4-FFF2-40B4-BE49-F238E27FC236}">
+                <a16:creationId xmlns:a16="http://schemas.microsoft.com/office/drawing/2014/main" id="{B921F796-267B-04D1-AD75-B190A2BAC042}"/>
+              </a:ext>
+            </a:extLst>
+          </p:cNvPr>
+          <p:cNvSpPr txBox="1"/>
+          <p:nvPr/>
+        </p:nvSpPr>
+        <p:spPr>
+          <a:xfrm>
+            <a:off x="2195678" y="2731054"/>
+            <a:ext cx="1551214" cy="276999"/>
+          </a:xfrm>
+          <a:prstGeom prst="rect">
+            <a:avLst/>
+          </a:prstGeom>
+          <a:noFill/>
+        </p:spPr>
+        <p:txBody>
+          <a:bodyPr wrap="square" rtlCol="0">
+            <a:spAutoFit/>
+          </a:bodyPr>
+          <a:lstStyle/>
+          <a:p>
+            <a:pPr algn="ctr"/>
+            <a:r>
+              <a:rPr lang="fr-CA" sz="1200" dirty="0" err="1"/>
+              <a:t>Tree</a:t>
+            </a:r>
+            <a:r>
+              <a:rPr lang="fr-CA" sz="1200" dirty="0"/>
+              <a:t> 1</a:t>
+            </a:r>
+            <a:endParaRPr lang="en-CA" sz="1200" dirty="0"/>
+          </a:p>
+        </p:txBody>
+      </p:sp>
+      <p:sp>
+        <p:nvSpPr>
+          <p:cNvPr id="73" name="TextBox 72">
+            <a:extLst>
+              <a:ext uri="{FF2B5EF4-FFF2-40B4-BE49-F238E27FC236}">
+                <a16:creationId xmlns:a16="http://schemas.microsoft.com/office/drawing/2014/main" id="{D2729B97-3235-AC93-B1B4-52829661A8BA}"/>
+              </a:ext>
+            </a:extLst>
+          </p:cNvPr>
+          <p:cNvSpPr txBox="1"/>
+          <p:nvPr/>
+        </p:nvSpPr>
+        <p:spPr>
+          <a:xfrm>
+            <a:off x="2474623" y="3870835"/>
+            <a:ext cx="1551214" cy="276999"/>
+          </a:xfrm>
+          <a:prstGeom prst="rect">
+            <a:avLst/>
+          </a:prstGeom>
+          <a:noFill/>
+        </p:spPr>
+        <p:txBody>
+          <a:bodyPr wrap="square" rtlCol="0">
+            <a:spAutoFit/>
+          </a:bodyPr>
+          <a:lstStyle/>
+          <a:p>
+            <a:pPr algn="ctr"/>
+            <a:r>
+              <a:rPr lang="fr-CA" sz="1200" dirty="0" err="1"/>
+              <a:t>Tree</a:t>
+            </a:r>
+            <a:r>
+              <a:rPr lang="fr-CA" sz="1200" dirty="0"/>
+              <a:t> 1</a:t>
+            </a:r>
+            <a:endParaRPr lang="en-CA" sz="1200" dirty="0"/>
+          </a:p>
+        </p:txBody>
+      </p:sp>
+    </p:spTree>
+    <p:extLst>
+      <p:ext uri="{BB962C8B-B14F-4D97-AF65-F5344CB8AC3E}">
+        <p14:creationId xmlns:p14="http://schemas.microsoft.com/office/powerpoint/2010/main" val="1833428573"/>
+      </p:ext>
+    </p:extLst>
+  </p:cSld>
+  <p:clrMapOvr>
+    <a:masterClrMapping/>
+  </p:clrMapOvr>
+</p:sld>
+</file>
+
 <file path=ppt/theme/theme1.xml><?xml version="1.0" encoding="utf-8"?>
 <a:theme xmlns:a="http://schemas.openxmlformats.org/drawingml/2006/main" name="Office Theme">
   <a:themeElements>

--- a/docs/src/assets/architecture.pptx
+++ b/docs/src/assets/architecture.pptx
@@ -1259,7 +1259,7 @@
           <a:p>
             <a:fld id="{344B3351-8381-4697-BFF2-91AB0D217638}" type="datetimeFigureOut">
               <a:rPr lang="en-CA" smtClean="0"/>
-              <a:t>2024-06-07</a:t>
+              <a:t>2024-06-21</a:t>
             </a:fld>
             <a:endParaRPr lang="en-CA"/>
           </a:p>
@@ -1459,7 +1459,7 @@
           <a:p>
             <a:fld id="{344B3351-8381-4697-BFF2-91AB0D217638}" type="datetimeFigureOut">
               <a:rPr lang="en-CA" smtClean="0"/>
-              <a:t>2024-06-07</a:t>
+              <a:t>2024-06-21</a:t>
             </a:fld>
             <a:endParaRPr lang="en-CA"/>
           </a:p>
@@ -1669,7 +1669,7 @@
           <a:p>
             <a:fld id="{344B3351-8381-4697-BFF2-91AB0D217638}" type="datetimeFigureOut">
               <a:rPr lang="en-CA" smtClean="0"/>
-              <a:t>2024-06-07</a:t>
+              <a:t>2024-06-21</a:t>
             </a:fld>
             <a:endParaRPr lang="en-CA"/>
           </a:p>
@@ -1869,7 +1869,7 @@
           <a:p>
             <a:fld id="{344B3351-8381-4697-BFF2-91AB0D217638}" type="datetimeFigureOut">
               <a:rPr lang="en-CA" smtClean="0"/>
-              <a:t>2024-06-07</a:t>
+              <a:t>2024-06-21</a:t>
             </a:fld>
             <a:endParaRPr lang="en-CA"/>
           </a:p>
@@ -2145,7 +2145,7 @@
           <a:p>
             <a:fld id="{344B3351-8381-4697-BFF2-91AB0D217638}" type="datetimeFigureOut">
               <a:rPr lang="en-CA" smtClean="0"/>
-              <a:t>2024-06-07</a:t>
+              <a:t>2024-06-21</a:t>
             </a:fld>
             <a:endParaRPr lang="en-CA"/>
           </a:p>
@@ -2413,7 +2413,7 @@
           <a:p>
             <a:fld id="{344B3351-8381-4697-BFF2-91AB0D217638}" type="datetimeFigureOut">
               <a:rPr lang="en-CA" smtClean="0"/>
-              <a:t>2024-06-07</a:t>
+              <a:t>2024-06-21</a:t>
             </a:fld>
             <a:endParaRPr lang="en-CA"/>
           </a:p>
@@ -2828,7 +2828,7 @@
           <a:p>
             <a:fld id="{344B3351-8381-4697-BFF2-91AB0D217638}" type="datetimeFigureOut">
               <a:rPr lang="en-CA" smtClean="0"/>
-              <a:t>2024-06-07</a:t>
+              <a:t>2024-06-21</a:t>
             </a:fld>
             <a:endParaRPr lang="en-CA"/>
           </a:p>
@@ -2970,7 +2970,7 @@
           <a:p>
             <a:fld id="{344B3351-8381-4697-BFF2-91AB0D217638}" type="datetimeFigureOut">
               <a:rPr lang="en-CA" smtClean="0"/>
-              <a:t>2024-06-07</a:t>
+              <a:t>2024-06-21</a:t>
             </a:fld>
             <a:endParaRPr lang="en-CA"/>
           </a:p>
@@ -3083,7 +3083,7 @@
           <a:p>
             <a:fld id="{344B3351-8381-4697-BFF2-91AB0D217638}" type="datetimeFigureOut">
               <a:rPr lang="en-CA" smtClean="0"/>
-              <a:t>2024-06-07</a:t>
+              <a:t>2024-06-21</a:t>
             </a:fld>
             <a:endParaRPr lang="en-CA"/>
           </a:p>
@@ -3396,7 +3396,7 @@
           <a:p>
             <a:fld id="{344B3351-8381-4697-BFF2-91AB0D217638}" type="datetimeFigureOut">
               <a:rPr lang="en-CA" smtClean="0"/>
-              <a:t>2024-06-07</a:t>
+              <a:t>2024-06-21</a:t>
             </a:fld>
             <a:endParaRPr lang="en-CA"/>
           </a:p>
@@ -3685,7 +3685,7 @@
           <a:p>
             <a:fld id="{344B3351-8381-4697-BFF2-91AB0D217638}" type="datetimeFigureOut">
               <a:rPr lang="en-CA" smtClean="0"/>
-              <a:t>2024-06-07</a:t>
+              <a:t>2024-06-21</a:t>
             </a:fld>
             <a:endParaRPr lang="en-CA"/>
           </a:p>
@@ -3928,7 +3928,7 @@
           <a:p>
             <a:fld id="{344B3351-8381-4697-BFF2-91AB0D217638}" type="datetimeFigureOut">
               <a:rPr lang="en-CA" smtClean="0"/>
-              <a:t>2024-06-07</a:t>
+              <a:t>2024-06-21</a:t>
             </a:fld>
             <a:endParaRPr lang="en-CA"/>
           </a:p>
@@ -7257,7 +7257,7 @@
           </a:solidFill>
           <a:ln>
             <a:solidFill>
-              <a:schemeClr val="tx1"/>
+              <a:schemeClr val="bg1"/>
             </a:solidFill>
           </a:ln>
         </p:spPr>
@@ -7323,7 +7323,7 @@
           </a:solidFill>
           <a:ln>
             <a:solidFill>
-              <a:schemeClr val="tx1"/>
+              <a:schemeClr val="bg1"/>
             </a:solidFill>
           </a:ln>
         </p:spPr>
@@ -7389,7 +7389,7 @@
           </a:solidFill>
           <a:ln>
             <a:solidFill>
-              <a:schemeClr val="tx1"/>
+              <a:schemeClr val="bg1"/>
             </a:solidFill>
           </a:ln>
         </p:spPr>
@@ -7455,7 +7455,7 @@
           </a:solidFill>
           <a:ln>
             <a:solidFill>
-              <a:schemeClr val="tx1"/>
+              <a:schemeClr val="bg1"/>
             </a:solidFill>
           </a:ln>
         </p:spPr>
@@ -7521,7 +7521,7 @@
           </a:solidFill>
           <a:ln>
             <a:solidFill>
-              <a:schemeClr val="tx1"/>
+              <a:schemeClr val="bg1"/>
             </a:solidFill>
           </a:ln>
         </p:spPr>
@@ -7587,7 +7587,7 @@
           </a:solidFill>
           <a:ln>
             <a:solidFill>
-              <a:schemeClr val="tx1"/>
+              <a:schemeClr val="bg1"/>
             </a:solidFill>
           </a:ln>
         </p:spPr>
@@ -7653,7 +7653,7 @@
           </a:solidFill>
           <a:ln>
             <a:solidFill>
-              <a:schemeClr val="tx1"/>
+              <a:schemeClr val="bg1"/>
             </a:solidFill>
           </a:ln>
         </p:spPr>
@@ -7863,7 +7863,7 @@
           </a:solidFill>
           <a:ln>
             <a:solidFill>
-              <a:schemeClr val="tx1"/>
+              <a:schemeClr val="bg1"/>
             </a:solidFill>
           </a:ln>
         </p:spPr>
@@ -7924,7 +7924,7 @@
           </a:solidFill>
           <a:ln>
             <a:solidFill>
-              <a:schemeClr val="tx1"/>
+              <a:schemeClr val="bg1"/>
             </a:solidFill>
           </a:ln>
         </p:spPr>
@@ -7990,7 +7990,7 @@
           </a:solidFill>
           <a:ln>
             <a:solidFill>
-              <a:schemeClr val="tx1"/>
+              <a:schemeClr val="bg1"/>
             </a:solidFill>
           </a:ln>
         </p:spPr>
@@ -8056,7 +8056,7 @@
           </a:solidFill>
           <a:ln>
             <a:solidFill>
-              <a:schemeClr val="tx1"/>
+              <a:schemeClr val="bg1"/>
             </a:solidFill>
           </a:ln>
         </p:spPr>
@@ -8122,7 +8122,7 @@
           </a:solidFill>
           <a:ln>
             <a:solidFill>
-              <a:schemeClr val="tx1"/>
+              <a:schemeClr val="bg1"/>
             </a:solidFill>
           </a:ln>
         </p:spPr>
@@ -8188,7 +8188,7 @@
           </a:solidFill>
           <a:ln>
             <a:solidFill>
-              <a:schemeClr val="tx1"/>
+              <a:schemeClr val="bg1"/>
             </a:solidFill>
           </a:ln>
         </p:spPr>
@@ -8254,7 +8254,7 @@
           </a:solidFill>
           <a:ln>
             <a:solidFill>
-              <a:schemeClr val="tx1"/>
+              <a:schemeClr val="bg1"/>
             </a:solidFill>
           </a:ln>
         </p:spPr>
@@ -8700,7 +8700,7 @@
             <a:avLst/>
           </a:prstGeom>
           <a:solidFill>
-            <a:srgbClr val="023572"/>
+            <a:srgbClr val="00B050"/>
           </a:solidFill>
           <a:ln>
             <a:solidFill>
@@ -8758,7 +8758,7 @@
             <a:avLst/>
           </a:prstGeom>
           <a:solidFill>
-            <a:srgbClr val="023572"/>
+            <a:srgbClr val="00B050"/>
           </a:solidFill>
           <a:ln>
             <a:solidFill>
@@ -8816,7 +8816,7 @@
             <a:avLst/>
           </a:prstGeom>
           <a:solidFill>
-            <a:srgbClr val="023572"/>
+            <a:srgbClr val="00B050"/>
           </a:solidFill>
           <a:ln>
             <a:solidFill>
@@ -8874,7 +8874,7 @@
             <a:avLst/>
           </a:prstGeom>
           <a:solidFill>
-            <a:srgbClr val="023572"/>
+            <a:srgbClr val="00B050"/>
           </a:solidFill>
           <a:ln>
             <a:solidFill>
@@ -9190,7 +9190,7 @@
           </a:solidFill>
           <a:ln>
             <a:solidFill>
-              <a:schemeClr val="tx1"/>
+              <a:schemeClr val="bg1"/>
             </a:solidFill>
           </a:ln>
         </p:spPr>
@@ -9256,7 +9256,7 @@
           </a:solidFill>
           <a:ln>
             <a:solidFill>
-              <a:schemeClr val="tx1"/>
+              <a:schemeClr val="bg1"/>
             </a:solidFill>
           </a:ln>
         </p:spPr>
@@ -9628,7 +9628,7 @@
           </a:solidFill>
           <a:ln>
             <a:solidFill>
-              <a:schemeClr val="tx1"/>
+              <a:schemeClr val="bg1"/>
             </a:solidFill>
           </a:ln>
         </p:spPr>

--- a/docs/src/assets/architecture.pptx
+++ b/docs/src/assets/architecture.pptx
@@ -1259,7 +1259,7 @@
           <a:p>
             <a:fld id="{344B3351-8381-4697-BFF2-91AB0D217638}" type="datetimeFigureOut">
               <a:rPr lang="en-CA" smtClean="0"/>
-              <a:t>2024-06-21</a:t>
+              <a:t>2024-07-03</a:t>
             </a:fld>
             <a:endParaRPr lang="en-CA"/>
           </a:p>
@@ -1459,7 +1459,7 @@
           <a:p>
             <a:fld id="{344B3351-8381-4697-BFF2-91AB0D217638}" type="datetimeFigureOut">
               <a:rPr lang="en-CA" smtClean="0"/>
-              <a:t>2024-06-21</a:t>
+              <a:t>2024-07-03</a:t>
             </a:fld>
             <a:endParaRPr lang="en-CA"/>
           </a:p>
@@ -1669,7 +1669,7 @@
           <a:p>
             <a:fld id="{344B3351-8381-4697-BFF2-91AB0D217638}" type="datetimeFigureOut">
               <a:rPr lang="en-CA" smtClean="0"/>
-              <a:t>2024-06-21</a:t>
+              <a:t>2024-07-03</a:t>
             </a:fld>
             <a:endParaRPr lang="en-CA"/>
           </a:p>
@@ -1869,7 +1869,7 @@
           <a:p>
             <a:fld id="{344B3351-8381-4697-BFF2-91AB0D217638}" type="datetimeFigureOut">
               <a:rPr lang="en-CA" smtClean="0"/>
-              <a:t>2024-06-21</a:t>
+              <a:t>2024-07-03</a:t>
             </a:fld>
             <a:endParaRPr lang="en-CA"/>
           </a:p>
@@ -2145,7 +2145,7 @@
           <a:p>
             <a:fld id="{344B3351-8381-4697-BFF2-91AB0D217638}" type="datetimeFigureOut">
               <a:rPr lang="en-CA" smtClean="0"/>
-              <a:t>2024-06-21</a:t>
+              <a:t>2024-07-03</a:t>
             </a:fld>
             <a:endParaRPr lang="en-CA"/>
           </a:p>
@@ -2413,7 +2413,7 @@
           <a:p>
             <a:fld id="{344B3351-8381-4697-BFF2-91AB0D217638}" type="datetimeFigureOut">
               <a:rPr lang="en-CA" smtClean="0"/>
-              <a:t>2024-06-21</a:t>
+              <a:t>2024-07-03</a:t>
             </a:fld>
             <a:endParaRPr lang="en-CA"/>
           </a:p>
@@ -2828,7 +2828,7 @@
           <a:p>
             <a:fld id="{344B3351-8381-4697-BFF2-91AB0D217638}" type="datetimeFigureOut">
               <a:rPr lang="en-CA" smtClean="0"/>
-              <a:t>2024-06-21</a:t>
+              <a:t>2024-07-03</a:t>
             </a:fld>
             <a:endParaRPr lang="en-CA"/>
           </a:p>
@@ -2970,7 +2970,7 @@
           <a:p>
             <a:fld id="{344B3351-8381-4697-BFF2-91AB0D217638}" type="datetimeFigureOut">
               <a:rPr lang="en-CA" smtClean="0"/>
-              <a:t>2024-06-21</a:t>
+              <a:t>2024-07-03</a:t>
             </a:fld>
             <a:endParaRPr lang="en-CA"/>
           </a:p>
@@ -3083,7 +3083,7 @@
           <a:p>
             <a:fld id="{344B3351-8381-4697-BFF2-91AB0D217638}" type="datetimeFigureOut">
               <a:rPr lang="en-CA" smtClean="0"/>
-              <a:t>2024-06-21</a:t>
+              <a:t>2024-07-03</a:t>
             </a:fld>
             <a:endParaRPr lang="en-CA"/>
           </a:p>
@@ -3396,7 +3396,7 @@
           <a:p>
             <a:fld id="{344B3351-8381-4697-BFF2-91AB0D217638}" type="datetimeFigureOut">
               <a:rPr lang="en-CA" smtClean="0"/>
-              <a:t>2024-06-21</a:t>
+              <a:t>2024-07-03</a:t>
             </a:fld>
             <a:endParaRPr lang="en-CA"/>
           </a:p>
@@ -3685,7 +3685,7 @@
           <a:p>
             <a:fld id="{344B3351-8381-4697-BFF2-91AB0D217638}" type="datetimeFigureOut">
               <a:rPr lang="en-CA" smtClean="0"/>
-              <a:t>2024-06-21</a:t>
+              <a:t>2024-07-03</a:t>
             </a:fld>
             <a:endParaRPr lang="en-CA"/>
           </a:p>
@@ -3928,7 +3928,7 @@
           <a:p>
             <a:fld id="{344B3351-8381-4697-BFF2-91AB0D217638}" type="datetimeFigureOut">
               <a:rPr lang="en-CA" smtClean="0"/>
-              <a:t>2024-06-21</a:t>
+              <a:t>2024-07-03</a:t>
             </a:fld>
             <a:endParaRPr lang="en-CA"/>
           </a:p>
@@ -8700,7 +8700,7 @@
             <a:avLst/>
           </a:prstGeom>
           <a:solidFill>
-            <a:srgbClr val="00B050"/>
+            <a:srgbClr val="023572"/>
           </a:solidFill>
           <a:ln>
             <a:solidFill>
@@ -8758,7 +8758,7 @@
             <a:avLst/>
           </a:prstGeom>
           <a:solidFill>
-            <a:srgbClr val="00B050"/>
+            <a:srgbClr val="023572"/>
           </a:solidFill>
           <a:ln>
             <a:solidFill>
@@ -8816,7 +8816,7 @@
             <a:avLst/>
           </a:prstGeom>
           <a:solidFill>
-            <a:srgbClr val="00B050"/>
+            <a:srgbClr val="023572"/>
           </a:solidFill>
           <a:ln>
             <a:solidFill>
@@ -8874,7 +8874,7 @@
             <a:avLst/>
           </a:prstGeom>
           <a:solidFill>
-            <a:srgbClr val="00B050"/>
+            <a:srgbClr val="023572"/>
           </a:solidFill>
           <a:ln>
             <a:solidFill>
